--- a/Matrix_Properties_Algorithms[1].pptx
+++ b/Matrix_Properties_Algorithms[1].pptx
@@ -5,10 +5,10 @@
     <p:sldMasterId id="2147483859" r:id="rId1"/>
   </p:sldMasterIdLst>
   <p:notesMasterIdLst>
-    <p:notesMasterId r:id="rId12"/>
+    <p:notesMasterId r:id="rId13"/>
   </p:notesMasterIdLst>
   <p:handoutMasterIdLst>
-    <p:handoutMasterId r:id="rId13"/>
+    <p:handoutMasterId r:id="rId14"/>
   </p:handoutMasterIdLst>
   <p:sldIdLst>
     <p:sldId id="270" r:id="rId2"/>
@@ -18,9 +18,10 @@
     <p:sldId id="272" r:id="rId6"/>
     <p:sldId id="284" r:id="rId7"/>
     <p:sldId id="286" r:id="rId8"/>
-    <p:sldId id="288" r:id="rId9"/>
-    <p:sldId id="285" r:id="rId10"/>
-    <p:sldId id="287" r:id="rId11"/>
+    <p:sldId id="291" r:id="rId9"/>
+    <p:sldId id="288" r:id="rId10"/>
+    <p:sldId id="285" r:id="rId11"/>
+    <p:sldId id="287" r:id="rId12"/>
   </p:sldIdLst>
   <p:sldSz cx="12192000" cy="6858000"/>
   <p:notesSz cx="6858000" cy="9144000"/>
@@ -128,6 +129,220 @@
     </p:ext>
   </p:extLst>
 </p:presentation>
+</file>
+
+<file path=ppt/revisionInfo.xml><?xml version="1.0" encoding="utf-8"?>
+<p1510:revInfo xmlns:a="http://schemas.openxmlformats.org/drawingml/2006/main" xmlns:r="http://schemas.openxmlformats.org/officeDocument/2006/relationships" xmlns:p1510="http://schemas.microsoft.com/office/powerpoint/2015/10/main">
+  <p1510:revLst>
+    <p1510:client id="{671982DE-E5FA-4D82-9F88-29333BE0939D}" v="3" dt="2024-03-16T09:44:24.727"/>
+  </p1510:revLst>
+</p1510:revInfo>
+</file>
+
+<file path=ppt/changesInfos/changesInfo1.xml><?xml version="1.0" encoding="utf-8"?>
+<pc:chgInfo xmlns:a="http://schemas.openxmlformats.org/drawingml/2006/main" xmlns:r="http://schemas.openxmlformats.org/officeDocument/2006/relationships" xmlns:ac="http://schemas.microsoft.com/office/drawing/2013/main/command" xmlns:pc="http://schemas.microsoft.com/office/powerpoint/2013/main/command">
+  <pc:docChgLst>
+    <pc:chgData name="ויטל מרציאנו" userId="227e1458-b9c9-4ac8-9e24-f904ccbd652e" providerId="ADAL" clId="{671982DE-E5FA-4D82-9F88-29333BE0939D}"/>
+    <pc:docChg chg="undo custSel addSld modSld">
+      <pc:chgData name="ויטל מרציאנו" userId="227e1458-b9c9-4ac8-9e24-f904ccbd652e" providerId="ADAL" clId="{671982DE-E5FA-4D82-9F88-29333BE0939D}" dt="2024-03-16T09:50:14.374" v="60" actId="20577"/>
+      <pc:docMkLst>
+        <pc:docMk/>
+      </pc:docMkLst>
+      <pc:sldChg chg="modSp mod">
+        <pc:chgData name="ויטל מרציאנו" userId="227e1458-b9c9-4ac8-9e24-f904ccbd652e" providerId="ADAL" clId="{671982DE-E5FA-4D82-9F88-29333BE0939D}" dt="2024-03-16T09:27:39.255" v="12" actId="108"/>
+        <pc:sldMkLst>
+          <pc:docMk/>
+          <pc:sldMk cId="2057674307" sldId="272"/>
+        </pc:sldMkLst>
+        <pc:spChg chg="mod">
+          <ac:chgData name="ויטל מרציאנו" userId="227e1458-b9c9-4ac8-9e24-f904ccbd652e" providerId="ADAL" clId="{671982DE-E5FA-4D82-9F88-29333BE0939D}" dt="2024-03-16T09:27:39.255" v="12" actId="108"/>
+          <ac:spMkLst>
+            <pc:docMk/>
+            <pc:sldMk cId="2057674307" sldId="272"/>
+            <ac:spMk id="6" creationId="{3F51358B-E215-52EA-8851-C93A3E56B852}"/>
+          </ac:spMkLst>
+        </pc:spChg>
+        <pc:spChg chg="mod">
+          <ac:chgData name="ויטל מרציאנו" userId="227e1458-b9c9-4ac8-9e24-f904ccbd652e" providerId="ADAL" clId="{671982DE-E5FA-4D82-9F88-29333BE0939D}" dt="2024-03-16T09:27:35.161" v="10" actId="27636"/>
+          <ac:spMkLst>
+            <pc:docMk/>
+            <pc:sldMk cId="2057674307" sldId="272"/>
+            <ac:spMk id="7" creationId="{732BA92E-FD30-E029-9CCA-B2E9005958A8}"/>
+          </ac:spMkLst>
+        </pc:spChg>
+      </pc:sldChg>
+      <pc:sldChg chg="modSp mod">
+        <pc:chgData name="ויטל מרציאנו" userId="227e1458-b9c9-4ac8-9e24-f904ccbd652e" providerId="ADAL" clId="{671982DE-E5FA-4D82-9F88-29333BE0939D}" dt="2024-03-16T09:27:50.244" v="14" actId="20577"/>
+        <pc:sldMkLst>
+          <pc:docMk/>
+          <pc:sldMk cId="916994077" sldId="284"/>
+        </pc:sldMkLst>
+        <pc:spChg chg="mod">
+          <ac:chgData name="ויטל מרציאנו" userId="227e1458-b9c9-4ac8-9e24-f904ccbd652e" providerId="ADAL" clId="{671982DE-E5FA-4D82-9F88-29333BE0939D}" dt="2024-03-16T09:27:50.244" v="14" actId="20577"/>
+          <ac:spMkLst>
+            <pc:docMk/>
+            <pc:sldMk cId="916994077" sldId="284"/>
+            <ac:spMk id="3" creationId="{00000000-0000-0000-0000-000000000000}"/>
+          </ac:spMkLst>
+        </pc:spChg>
+      </pc:sldChg>
+      <pc:sldChg chg="modSp mod">
+        <pc:chgData name="ויטל מרציאנו" userId="227e1458-b9c9-4ac8-9e24-f904ccbd652e" providerId="ADAL" clId="{671982DE-E5FA-4D82-9F88-29333BE0939D}" dt="2024-03-16T09:30:33.286" v="36" actId="2710"/>
+        <pc:sldMkLst>
+          <pc:docMk/>
+          <pc:sldMk cId="1555210222" sldId="285"/>
+        </pc:sldMkLst>
+        <pc:spChg chg="mod">
+          <ac:chgData name="ויטל מרציאנו" userId="227e1458-b9c9-4ac8-9e24-f904ccbd652e" providerId="ADAL" clId="{671982DE-E5FA-4D82-9F88-29333BE0939D}" dt="2024-03-16T09:30:33.286" v="36" actId="2710"/>
+          <ac:spMkLst>
+            <pc:docMk/>
+            <pc:sldMk cId="1555210222" sldId="285"/>
+            <ac:spMk id="3" creationId="{00000000-0000-0000-0000-000000000000}"/>
+          </ac:spMkLst>
+        </pc:spChg>
+      </pc:sldChg>
+      <pc:sldChg chg="addSp delSp modSp mod">
+        <pc:chgData name="ויטל מרציאנו" userId="227e1458-b9c9-4ac8-9e24-f904ccbd652e" providerId="ADAL" clId="{671982DE-E5FA-4D82-9F88-29333BE0939D}" dt="2024-03-16T09:29:19.719" v="33" actId="1076"/>
+        <pc:sldMkLst>
+          <pc:docMk/>
+          <pc:sldMk cId="3721512044" sldId="286"/>
+        </pc:sldMkLst>
+        <pc:spChg chg="mod">
+          <ac:chgData name="ויטל מרציאנו" userId="227e1458-b9c9-4ac8-9e24-f904ccbd652e" providerId="ADAL" clId="{671982DE-E5FA-4D82-9F88-29333BE0939D}" dt="2024-03-16T09:28:06.774" v="17" actId="1076"/>
+          <ac:spMkLst>
+            <pc:docMk/>
+            <pc:sldMk cId="3721512044" sldId="286"/>
+            <ac:spMk id="2" creationId="{00000000-0000-0000-0000-000000000000}"/>
+          </ac:spMkLst>
+        </pc:spChg>
+        <pc:spChg chg="del">
+          <ac:chgData name="ויטל מרציאנו" userId="227e1458-b9c9-4ac8-9e24-f904ccbd652e" providerId="ADAL" clId="{671982DE-E5FA-4D82-9F88-29333BE0939D}" dt="2024-03-16T09:28:02.420" v="15" actId="478"/>
+          <ac:spMkLst>
+            <pc:docMk/>
+            <pc:sldMk cId="3721512044" sldId="286"/>
+            <ac:spMk id="3" creationId="{00000000-0000-0000-0000-000000000000}"/>
+          </ac:spMkLst>
+        </pc:spChg>
+        <pc:picChg chg="mod modCrop">
+          <ac:chgData name="ויטל מרציאנו" userId="227e1458-b9c9-4ac8-9e24-f904ccbd652e" providerId="ADAL" clId="{671982DE-E5FA-4D82-9F88-29333BE0939D}" dt="2024-03-16T09:29:19.719" v="33" actId="1076"/>
+          <ac:picMkLst>
+            <pc:docMk/>
+            <pc:sldMk cId="3721512044" sldId="286"/>
+            <ac:picMk id="4" creationId="{DF4F72C1-BABF-4BD9-A3BC-9663A2AA8E1D}"/>
+          </ac:picMkLst>
+        </pc:picChg>
+        <pc:picChg chg="add del mod">
+          <ac:chgData name="ויטל מרציאנו" userId="227e1458-b9c9-4ac8-9e24-f904ccbd652e" providerId="ADAL" clId="{671982DE-E5FA-4D82-9F88-29333BE0939D}" dt="2024-03-16T09:28:56.358" v="30" actId="478"/>
+          <ac:picMkLst>
+            <pc:docMk/>
+            <pc:sldMk cId="3721512044" sldId="286"/>
+            <ac:picMk id="5" creationId="{5DAF5E3D-03C1-2D21-A696-E147ECE1C45C}"/>
+          </ac:picMkLst>
+        </pc:picChg>
+      </pc:sldChg>
+      <pc:sldChg chg="addSp delSp modSp mod">
+        <pc:chgData name="ויטל מרציאנו" userId="227e1458-b9c9-4ac8-9e24-f904ccbd652e" providerId="ADAL" clId="{671982DE-E5FA-4D82-9F88-29333BE0939D}" dt="2024-03-16T09:44:30.398" v="44" actId="27614"/>
+        <pc:sldMkLst>
+          <pc:docMk/>
+          <pc:sldMk cId="1850147129" sldId="287"/>
+        </pc:sldMkLst>
+        <pc:spChg chg="add del mod">
+          <ac:chgData name="ויטל מרציאנו" userId="227e1458-b9c9-4ac8-9e24-f904ccbd652e" providerId="ADAL" clId="{671982DE-E5FA-4D82-9F88-29333BE0939D}" dt="2024-03-16T09:44:24.727" v="41"/>
+          <ac:spMkLst>
+            <pc:docMk/>
+            <pc:sldMk cId="1850147129" sldId="287"/>
+            <ac:spMk id="6" creationId="{93F974FE-C006-80A3-7125-AF45E24A5D39}"/>
+          </ac:spMkLst>
+        </pc:spChg>
+        <pc:picChg chg="del mod">
+          <ac:chgData name="ויטל מרציאנו" userId="227e1458-b9c9-4ac8-9e24-f904ccbd652e" providerId="ADAL" clId="{671982DE-E5FA-4D82-9F88-29333BE0939D}" dt="2024-03-16T09:44:22.077" v="39" actId="478"/>
+          <ac:picMkLst>
+            <pc:docMk/>
+            <pc:sldMk cId="1850147129" sldId="287"/>
+            <ac:picMk id="3" creationId="{DF122646-29A8-4DFA-A609-D7E963A1093F}"/>
+          </ac:picMkLst>
+        </pc:picChg>
+        <pc:picChg chg="del">
+          <ac:chgData name="ויטל מרציאנו" userId="227e1458-b9c9-4ac8-9e24-f904ccbd652e" providerId="ADAL" clId="{671982DE-E5FA-4D82-9F88-29333BE0939D}" dt="2024-03-16T09:44:22.824" v="40" actId="478"/>
+          <ac:picMkLst>
+            <pc:docMk/>
+            <pc:sldMk cId="1850147129" sldId="287"/>
+            <ac:picMk id="4" creationId="{5FAE81D2-6E9A-48CB-92D6-B1CD16AFDD2B}"/>
+          </ac:picMkLst>
+        </pc:picChg>
+        <pc:picChg chg="add mod">
+          <ac:chgData name="ויטל מרציאנו" userId="227e1458-b9c9-4ac8-9e24-f904ccbd652e" providerId="ADAL" clId="{671982DE-E5FA-4D82-9F88-29333BE0939D}" dt="2024-03-16T09:44:30.398" v="44" actId="27614"/>
+          <ac:picMkLst>
+            <pc:docMk/>
+            <pc:sldMk cId="1850147129" sldId="287"/>
+            <ac:picMk id="8" creationId="{3E81509C-4807-5789-3B53-4CCF859E012B}"/>
+          </ac:picMkLst>
+        </pc:picChg>
+      </pc:sldChg>
+      <pc:sldChg chg="modSp mod">
+        <pc:chgData name="ויטל מרציאנו" userId="227e1458-b9c9-4ac8-9e24-f904ccbd652e" providerId="ADAL" clId="{671982DE-E5FA-4D82-9F88-29333BE0939D}" dt="2024-03-16T09:50:14.374" v="60" actId="20577"/>
+        <pc:sldMkLst>
+          <pc:docMk/>
+          <pc:sldMk cId="4183606066" sldId="288"/>
+        </pc:sldMkLst>
+        <pc:spChg chg="mod">
+          <ac:chgData name="ויטל מרציאנו" userId="227e1458-b9c9-4ac8-9e24-f904ccbd652e" providerId="ADAL" clId="{671982DE-E5FA-4D82-9F88-29333BE0939D}" dt="2024-03-16T09:50:14.374" v="60" actId="20577"/>
+          <ac:spMkLst>
+            <pc:docMk/>
+            <pc:sldMk cId="4183606066" sldId="288"/>
+            <ac:spMk id="6" creationId="{3F51358B-E215-52EA-8851-C93A3E56B852}"/>
+          </ac:spMkLst>
+        </pc:spChg>
+        <pc:spChg chg="mod">
+          <ac:chgData name="ויטל מרציאנו" userId="227e1458-b9c9-4ac8-9e24-f904ccbd652e" providerId="ADAL" clId="{671982DE-E5FA-4D82-9F88-29333BE0939D}" dt="2024-03-16T09:47:58.598" v="48" actId="20577"/>
+          <ac:spMkLst>
+            <pc:docMk/>
+            <pc:sldMk cId="4183606066" sldId="288"/>
+            <ac:spMk id="7" creationId="{732BA92E-FD30-E029-9CCA-B2E9005958A8}"/>
+          </ac:spMkLst>
+        </pc:spChg>
+      </pc:sldChg>
+      <pc:sldChg chg="modSp mod">
+        <pc:chgData name="ויטל מרציאנו" userId="227e1458-b9c9-4ac8-9e24-f904ccbd652e" providerId="ADAL" clId="{671982DE-E5FA-4D82-9F88-29333BE0939D}" dt="2024-03-16T09:30:03.012" v="34" actId="108"/>
+        <pc:sldMkLst>
+          <pc:docMk/>
+          <pc:sldMk cId="641064856" sldId="289"/>
+        </pc:sldMkLst>
+        <pc:spChg chg="mod">
+          <ac:chgData name="ויטל מרציאנו" userId="227e1458-b9c9-4ac8-9e24-f904ccbd652e" providerId="ADAL" clId="{671982DE-E5FA-4D82-9F88-29333BE0939D}" dt="2024-03-16T09:30:03.012" v="34" actId="108"/>
+          <ac:spMkLst>
+            <pc:docMk/>
+            <pc:sldMk cId="641064856" sldId="289"/>
+            <ac:spMk id="3" creationId="{49CFD77A-D58B-4A99-8839-4D71FD29B631}"/>
+          </ac:spMkLst>
+        </pc:spChg>
+      </pc:sldChg>
+      <pc:sldChg chg="delSp modSp add mod">
+        <pc:chgData name="ויטל מרציאנו" userId="227e1458-b9c9-4ac8-9e24-f904ccbd652e" providerId="ADAL" clId="{671982DE-E5FA-4D82-9F88-29333BE0939D}" dt="2024-03-16T09:29:12.591" v="32" actId="732"/>
+        <pc:sldMkLst>
+          <pc:docMk/>
+          <pc:sldMk cId="3847616814" sldId="291"/>
+        </pc:sldMkLst>
+        <pc:picChg chg="del">
+          <ac:chgData name="ויטל מרציאנו" userId="227e1458-b9c9-4ac8-9e24-f904ccbd652e" providerId="ADAL" clId="{671982DE-E5FA-4D82-9F88-29333BE0939D}" dt="2024-03-16T09:28:40.391" v="25" actId="478"/>
+          <ac:picMkLst>
+            <pc:docMk/>
+            <pc:sldMk cId="3847616814" sldId="291"/>
+            <ac:picMk id="4" creationId="{DF4F72C1-BABF-4BD9-A3BC-9663A2AA8E1D}"/>
+          </ac:picMkLst>
+        </pc:picChg>
+        <pc:picChg chg="mod modCrop">
+          <ac:chgData name="ויטל מרציאנו" userId="227e1458-b9c9-4ac8-9e24-f904ccbd652e" providerId="ADAL" clId="{671982DE-E5FA-4D82-9F88-29333BE0939D}" dt="2024-03-16T09:29:12.591" v="32" actId="732"/>
+          <ac:picMkLst>
+            <pc:docMk/>
+            <pc:sldMk cId="3847616814" sldId="291"/>
+            <ac:picMk id="5" creationId="{5DAF5E3D-03C1-2D21-A696-E147ECE1C45C}"/>
+          </ac:picMkLst>
+        </pc:picChg>
+      </pc:sldChg>
+    </pc:docChg>
+  </pc:docChgLst>
+</pc:chgInfo>
 </file>
 
 <file path=ppt/diagrams/colors1.xml><?xml version="1.0" encoding="utf-8"?>
@@ -3295,7 +3510,7 @@
                 <a:cs typeface="Tahoma" panose="020B0604030504040204" pitchFamily="34" charset="0"/>
                 <a:sym typeface="Tahoma" panose="020B0604030504040204" pitchFamily="34" charset="0"/>
               </a:rPr>
-              <a:t>ה'/אדר ב/תשפ"ד</a:t>
+              <a:t>ו'/אדר ב/תשפ"ד</a:t>
             </a:fld>
             <a:endParaRPr lang="he-IL" dirty="0">
               <a:latin typeface="Tahoma" panose="020B0604030504040204" pitchFamily="34" charset="0"/>
@@ -3489,7 +3704,7 @@
             <a:fld id="{C2702391-E873-4A7E-A308-344BCFC2CC80}" type="datetime1">
               <a:rPr lang="he-IL" smtClean="0"/>
               <a:pPr/>
-              <a:t>ה'/אדר ב/תשפ"ד</a:t>
+              <a:t>ו'/אדר ב/תשפ"ד</a:t>
             </a:fld>
             <a:endParaRPr lang="he-IL" dirty="0"/>
           </a:p>
@@ -3860,6 +4075,92 @@
 </p:notes>
 </file>
 
+<file path=ppt/notesSlides/notesSlide10.xml><?xml version="1.0" encoding="utf-8"?>
+<p:notes xmlns:a="http://schemas.openxmlformats.org/drawingml/2006/main" xmlns:r="http://schemas.openxmlformats.org/officeDocument/2006/relationships" xmlns:p="http://schemas.openxmlformats.org/presentationml/2006/main">
+  <p:cSld>
+    <p:spTree>
+      <p:nvGrpSpPr>
+        <p:cNvPr id="1" name=""/>
+        <p:cNvGrpSpPr/>
+        <p:nvPr/>
+      </p:nvGrpSpPr>
+      <p:grpSpPr>
+        <a:xfrm>
+          <a:off x="0" y="0"/>
+          <a:ext cx="0" cy="0"/>
+          <a:chOff x="0" y="0"/>
+          <a:chExt cx="0" cy="0"/>
+        </a:xfrm>
+      </p:grpSpPr>
+      <p:sp>
+        <p:nvSpPr>
+          <p:cNvPr id="2" name="מציין מיקום של תמונת שקופית 1"/>
+          <p:cNvSpPr>
+            <a:spLocks noGrp="1" noRot="1" noChangeAspect="1"/>
+          </p:cNvSpPr>
+          <p:nvPr>
+            <p:ph type="sldImg"/>
+          </p:nvPr>
+        </p:nvSpPr>
+        <p:spPr/>
+      </p:sp>
+      <p:sp>
+        <p:nvSpPr>
+          <p:cNvPr id="3" name="מציין מיקום של הערות 2"/>
+          <p:cNvSpPr>
+            <a:spLocks noGrp="1"/>
+          </p:cNvSpPr>
+          <p:nvPr>
+            <p:ph type="body" idx="1"/>
+          </p:nvPr>
+        </p:nvSpPr>
+        <p:spPr/>
+        <p:txBody>
+          <a:bodyPr/>
+          <a:lstStyle/>
+          <a:p>
+            <a:endParaRPr lang="he-IL"/>
+          </a:p>
+        </p:txBody>
+      </p:sp>
+      <p:sp>
+        <p:nvSpPr>
+          <p:cNvPr id="4" name="מציין מיקום של מספר שקופית 3"/>
+          <p:cNvSpPr>
+            <a:spLocks noGrp="1"/>
+          </p:cNvSpPr>
+          <p:nvPr>
+            <p:ph type="sldNum" sz="quarter" idx="5"/>
+          </p:nvPr>
+        </p:nvSpPr>
+        <p:spPr/>
+        <p:txBody>
+          <a:bodyPr/>
+          <a:lstStyle/>
+          <a:p>
+            <a:pPr algn="l"/>
+            <a:fld id="{3DF1C5CE-222C-4659-9A99-B99FC42AF6EC}" type="slidenum">
+              <a:rPr lang="he-IL" smtClean="0"/>
+              <a:pPr algn="l"/>
+              <a:t>11</a:t>
+            </a:fld>
+            <a:endParaRPr lang="he-IL" dirty="0"/>
+          </a:p>
+        </p:txBody>
+      </p:sp>
+    </p:spTree>
+    <p:extLst>
+      <p:ext uri="{BB962C8B-B14F-4D97-AF65-F5344CB8AC3E}">
+        <p14:creationId xmlns:p14="http://schemas.microsoft.com/office/powerpoint/2010/main" val="1655524420"/>
+      </p:ext>
+    </p:extLst>
+  </p:cSld>
+  <p:clrMapOvr>
+    <a:masterClrMapping/>
+  </p:clrMapOvr>
+</p:notes>
+</file>
+
 <file path=ppt/notesSlides/notesSlide2.xml><?xml version="1.0" encoding="utf-8"?>
 <p:notes xmlns:a="http://schemas.openxmlformats.org/drawingml/2006/main" xmlns:r="http://schemas.openxmlformats.org/officeDocument/2006/relationships" xmlns:p="http://schemas.openxmlformats.org/presentationml/2006/main">
   <p:cSld>
@@ -4366,7 +4667,7 @@
     </p:spTree>
     <p:extLst>
       <p:ext uri="{BB962C8B-B14F-4D97-AF65-F5344CB8AC3E}">
-        <p14:creationId xmlns:p14="http://schemas.microsoft.com/office/powerpoint/2010/main" val="3454372761"/>
+        <p14:creationId xmlns:p14="http://schemas.microsoft.com/office/powerpoint/2010/main" val="3676323858"/>
       </p:ext>
     </p:extLst>
   </p:cSld>
@@ -4452,7 +4753,7 @@
     </p:spTree>
     <p:extLst>
       <p:ext uri="{BB962C8B-B14F-4D97-AF65-F5344CB8AC3E}">
-        <p14:creationId xmlns:p14="http://schemas.microsoft.com/office/powerpoint/2010/main" val="2056592598"/>
+        <p14:creationId xmlns:p14="http://schemas.microsoft.com/office/powerpoint/2010/main" val="3454372761"/>
       </p:ext>
     </p:extLst>
   </p:cSld>
@@ -4538,7 +4839,7 @@
     </p:spTree>
     <p:extLst>
       <p:ext uri="{BB962C8B-B14F-4D97-AF65-F5344CB8AC3E}">
-        <p14:creationId xmlns:p14="http://schemas.microsoft.com/office/powerpoint/2010/main" val="1655524420"/>
+        <p14:creationId xmlns:p14="http://schemas.microsoft.com/office/powerpoint/2010/main" val="2056592598"/>
       </p:ext>
     </p:extLst>
   </p:cSld>
@@ -4722,7 +5023,7 @@
             <a:fld id="{4FB317A2-3902-47FF-B6D1-9CC7F4BB6C92}" type="datetime1">
               <a:rPr lang="he-IL" smtClean="0"/>
               <a:pPr/>
-              <a:t>ה'/אדר ב/תשפ"ד</a:t>
+              <a:t>ו'/אדר ב/תשפ"ד</a:t>
             </a:fld>
             <a:endParaRPr lang="he-IL" dirty="0"/>
           </a:p>
@@ -5070,7 +5371,7 @@
             <a:fld id="{E7FEDE04-03A1-41E2-91FA-2D8FD00241C6}" type="datetime1">
               <a:rPr lang="he-IL" smtClean="0"/>
               <a:pPr/>
-              <a:t>ה'/אדר ב/תשפ"ד</a:t>
+              <a:t>ו'/אדר ב/תשפ"ד</a:t>
             </a:fld>
             <a:endParaRPr lang="he-IL" dirty="0"/>
           </a:p>
@@ -5268,7 +5569,7 @@
             <a:fld id="{7E3ABDC3-C5FD-491D-85D8-880A4C173640}" type="datetime1">
               <a:rPr lang="he-IL" smtClean="0"/>
               <a:pPr/>
-              <a:t>ה'/אדר ב/תשפ"ד</a:t>
+              <a:t>ו'/אדר ב/תשפ"ד</a:t>
             </a:fld>
             <a:endParaRPr lang="he-IL" dirty="0"/>
           </a:p>
@@ -5665,7 +5966,7 @@
             <a:fld id="{D277494B-FA8F-4F98-A48A-C14572D62CA6}" type="datetime1">
               <a:rPr lang="he-IL" smtClean="0"/>
               <a:pPr/>
-              <a:t>ה'/אדר ב/תשפ"ד</a:t>
+              <a:t>ו'/אדר ב/תשפ"ד</a:t>
             </a:fld>
             <a:endParaRPr lang="he-IL" dirty="0"/>
           </a:p>
@@ -5843,7 +6144,7 @@
             <a:fld id="{B93389A6-63C6-4CC7-AA45-37E5AB902F34}" type="datetime1">
               <a:rPr lang="he-IL" smtClean="0"/>
               <a:pPr/>
-              <a:t>ה'/אדר ב/תשפ"ד</a:t>
+              <a:t>ו'/אדר ב/תשפ"ד</a:t>
             </a:fld>
             <a:endParaRPr lang="he-IL" dirty="0"/>
           </a:p>
@@ -6138,7 +6439,7 @@
             <a:fld id="{02AF7E7A-41EB-4DDF-BFCC-E5AF1D0ECF25}" type="datetime1">
               <a:rPr lang="he-IL" smtClean="0"/>
               <a:pPr/>
-              <a:t>ה'/אדר ב/תשפ"ד</a:t>
+              <a:t>ו'/אדר ב/תשפ"ד</a:t>
             </a:fld>
             <a:endParaRPr lang="he-IL" dirty="0"/>
           </a:p>
@@ -6550,7 +6851,7 @@
             <a:fld id="{1313357E-9285-4D6A-9616-73A160DDA2E2}" type="datetime1">
               <a:rPr lang="he-IL" smtClean="0"/>
               <a:pPr/>
-              <a:t>ה'/אדר ב/תשפ"ד</a:t>
+              <a:t>ו'/אדר ב/תשפ"ד</a:t>
             </a:fld>
             <a:endParaRPr lang="he-IL" dirty="0"/>
           </a:p>
@@ -7034,7 +7335,7 @@
             <a:fld id="{1313357E-9285-4D6A-9616-73A160DDA2E2}" type="datetime1">
               <a:rPr lang="he-IL" smtClean="0"/>
               <a:pPr/>
-              <a:t>ה'/אדר ב/תשפ"ד</a:t>
+              <a:t>ו'/אדר ב/תשפ"ד</a:t>
             </a:fld>
             <a:endParaRPr lang="he-IL" dirty="0"/>
           </a:p>
@@ -7159,7 +7460,7 @@
             <a:fld id="{87DE4656-E110-486C-B114-A70F9A228F30}" type="datetime1">
               <a:rPr lang="he-IL" smtClean="0"/>
               <a:pPr/>
-              <a:t>ה'/אדר ב/תשפ"ד</a:t>
+              <a:t>ו'/אדר ב/תשפ"ד</a:t>
             </a:fld>
             <a:endParaRPr lang="he-IL" dirty="0"/>
           </a:p>
@@ -7272,7 +7573,7 @@
             <a:fld id="{8501B56B-EE9D-492D-B231-681314ABEB54}" type="datetime1">
               <a:rPr lang="he-IL" smtClean="0"/>
               <a:pPr/>
-              <a:t>ה'/אדר ב/תשפ"ד</a:t>
+              <a:t>ו'/אדר ב/תשפ"ד</a:t>
             </a:fld>
             <a:endParaRPr lang="he-IL" dirty="0"/>
           </a:p>
@@ -7636,7 +7937,7 @@
             <a:fld id="{FEE6D654-C7C7-484D-A266-7EA98AC2864D}" type="datetime1">
               <a:rPr lang="he-IL" smtClean="0"/>
               <a:pPr/>
-              <a:t>ה'/אדר ב/תשפ"ד</a:t>
+              <a:t>ו'/אדר ב/תשפ"ד</a:t>
             </a:fld>
             <a:endParaRPr lang="he-IL" dirty="0"/>
           </a:p>
@@ -8042,7 +8343,7 @@
             <a:fld id="{2342A612-94CD-4649-A3B6-BD78C7414030}" type="datetime1">
               <a:rPr lang="he-IL" smtClean="0"/>
               <a:pPr/>
-              <a:t>ה'/אדר ב/תשפ"ד</a:t>
+              <a:t>ו'/אדר ב/תשפ"ד</a:t>
             </a:fld>
             <a:endParaRPr lang="he-IL" dirty="0"/>
           </a:p>
@@ -8338,7 +8639,7 @@
             <a:fld id="{1313357E-9285-4D6A-9616-73A160DDA2E2}" type="datetime1">
               <a:rPr lang="he-IL" smtClean="0"/>
               <a:pPr/>
-              <a:t>ה'/אדר ב/תשפ"ד</a:t>
+              <a:t>ו'/אדר ב/תשפ"ד</a:t>
             </a:fld>
             <a:endParaRPr lang="he-IL" dirty="0"/>
           </a:p>
@@ -8803,7 +9104,7 @@
       </a:lvl9pPr>
     </p:otherStyle>
   </p:txStyles>
-  <p:extLst mod="1">
+  <p:extLst>
     <p:ext uri="{27BBF7A9-308A-43DC-89C8-2F10F3537804}">
       <p15:sldGuideLst xmlns:p15="http://schemas.microsoft.com/office/powerpoint/2012/main">
         <p15:guide id="3" orient="horz" pos="1368">
@@ -9001,7 +9302,7 @@
             <a:pPr algn="ctr" rtl="1"/>
             <a:r>
               <a:rPr lang="en-US" dirty="0"/>
-              <a:t>Comparison with existing Scheme- methods</a:t>
+              <a:t>Scheme- Optimization Techniques</a:t>
             </a:r>
             <a:endParaRPr lang="he-IL" dirty="0">
               <a:latin typeface="Tahoma" panose="020B0604030504040204" pitchFamily="34" charset="0"/>
@@ -9011,12 +9312,197 @@
           </a:p>
         </p:txBody>
       </p:sp>
+      <p:sp>
+        <p:nvSpPr>
+          <p:cNvPr id="3" name="מציין מיקום תוכן 2"/>
+          <p:cNvSpPr>
+            <a:spLocks noGrp="1"/>
+          </p:cNvSpPr>
+          <p:nvPr>
+            <p:ph idx="1"/>
+          </p:nvPr>
+        </p:nvSpPr>
+        <p:spPr>
+          <a:xfrm>
+            <a:off x="1371600" y="2285999"/>
+            <a:ext cx="9601200" cy="4453467"/>
+          </a:xfrm>
+        </p:spPr>
+        <p:txBody>
+          <a:bodyPr rtlCol="1">
+            <a:normAutofit/>
+          </a:bodyPr>
+          <a:lstStyle/>
+          <a:p>
+            <a:pPr algn="l" rtl="0"/>
+            <a:r>
+              <a:rPr lang="en-US" dirty="0"/>
+              <a:t>Add the </a:t>
+            </a:r>
+            <a:r>
+              <a:rPr lang="en-US" dirty="0" err="1"/>
+              <a:t>pivot_row</a:t>
+            </a:r>
+            <a:r>
+              <a:rPr lang="en-US" dirty="0"/>
+              <a:t> to the row instead of swap rows</a:t>
+            </a:r>
+          </a:p>
+          <a:p>
+            <a:pPr algn="l" rtl="0">
+              <a:lnSpc>
+                <a:spcPct val="100000"/>
+              </a:lnSpc>
+            </a:pPr>
+            <a:r>
+              <a:rPr lang="en-US" dirty="0">
+                <a:sym typeface="Tahoma" panose="020B0604030504040204" pitchFamily="34" charset="0"/>
+              </a:rPr>
+              <a:t>Using matrix operations (+, * and more) instead of loops to reset the col elements. </a:t>
+            </a:r>
+          </a:p>
+          <a:p>
+            <a:pPr>
+              <a:lnSpc>
+                <a:spcPct val="100000"/>
+              </a:lnSpc>
+            </a:pPr>
+            <a:r>
+              <a:rPr lang="en-US" dirty="0">
+                <a:sym typeface="Tahoma" panose="020B0604030504040204" pitchFamily="34" charset="0"/>
+              </a:rPr>
+              <a:t>The code utilizes the </a:t>
+            </a:r>
+            <a:r>
+              <a:rPr lang="en-US" dirty="0" err="1">
+                <a:sym typeface="Tahoma" panose="020B0604030504040204" pitchFamily="34" charset="0"/>
+              </a:rPr>
+              <a:t>Flomat</a:t>
+            </a:r>
+            <a:r>
+              <a:rPr lang="en-US" dirty="0">
+                <a:sym typeface="Tahoma" panose="020B0604030504040204" pitchFamily="34" charset="0"/>
+              </a:rPr>
+              <a:t> library</a:t>
+            </a:r>
+          </a:p>
+          <a:p>
+            <a:pPr lvl="1">
+              <a:lnSpc>
+                <a:spcPct val="100000"/>
+              </a:lnSpc>
+            </a:pPr>
+            <a:r>
+              <a:rPr lang="en-US" dirty="0">
+                <a:sym typeface="Tahoma" panose="020B0604030504040204" pitchFamily="34" charset="0"/>
+              </a:rPr>
+              <a:t>provides optimized functions for matrix operations like addition, subtraction, and multiplication. This can significantly improve performance compared to implementing these operations from scratch.</a:t>
+            </a:r>
+          </a:p>
+          <a:p>
+            <a:pPr>
+              <a:lnSpc>
+                <a:spcPct val="100000"/>
+              </a:lnSpc>
+            </a:pPr>
+            <a:r>
+              <a:rPr lang="en-US" dirty="0">
+                <a:sym typeface="Tahoma" panose="020B0604030504040204" pitchFamily="34" charset="0"/>
+              </a:rPr>
+              <a:t>Recursive approach for inverse calculation:</a:t>
+            </a:r>
+          </a:p>
+          <a:p>
+            <a:pPr lvl="1">
+              <a:lnSpc>
+                <a:spcPct val="100000"/>
+              </a:lnSpc>
+            </a:pPr>
+            <a:r>
+              <a:rPr lang="en-US" dirty="0">
+                <a:sym typeface="Tahoma" panose="020B0604030504040204" pitchFamily="34" charset="0"/>
+              </a:rPr>
+              <a:t>The inverse-matrix-calculation function uses a recursive approach to efficiently calculate the matrix inverse. This can be more memory-efficient compared to iterative approaches.</a:t>
+            </a:r>
+          </a:p>
+        </p:txBody>
+      </p:sp>
+    </p:spTree>
+    <p:extLst>
+      <p:ext uri="{BB962C8B-B14F-4D97-AF65-F5344CB8AC3E}">
+        <p14:creationId xmlns:p14="http://schemas.microsoft.com/office/powerpoint/2010/main" val="1555210222"/>
+      </p:ext>
+    </p:extLst>
+  </p:cSld>
+  <p:clrMapOvr>
+    <a:masterClrMapping/>
+  </p:clrMapOvr>
+  <mc:AlternateContent xmlns:mc="http://schemas.openxmlformats.org/markup-compatibility/2006" xmlns:p14="http://schemas.microsoft.com/office/powerpoint/2010/main">
+    <mc:Choice Requires="p14">
+      <p:transition spd="med" p14:dur="700">
+        <p:fade/>
+      </p:transition>
+    </mc:Choice>
+    <mc:Fallback xmlns="">
+      <p:transition spd="med">
+        <p:fade/>
+      </p:transition>
+    </mc:Fallback>
+  </mc:AlternateContent>
+</p:sld>
+</file>
+
+<file path=ppt/slides/slide11.xml><?xml version="1.0" encoding="utf-8"?>
+<p:sld xmlns:a="http://schemas.openxmlformats.org/drawingml/2006/main" xmlns:r="http://schemas.openxmlformats.org/officeDocument/2006/relationships" xmlns:p="http://schemas.openxmlformats.org/presentationml/2006/main">
+  <p:cSld>
+    <p:spTree>
+      <p:nvGrpSpPr>
+        <p:cNvPr id="1" name=""/>
+        <p:cNvGrpSpPr/>
+        <p:nvPr/>
+      </p:nvGrpSpPr>
+      <p:grpSpPr>
+        <a:xfrm>
+          <a:off x="0" y="0"/>
+          <a:ext cx="0" cy="0"/>
+          <a:chOff x="0" y="0"/>
+          <a:chExt cx="0" cy="0"/>
+        </a:xfrm>
+      </p:grpSpPr>
+      <p:sp>
+        <p:nvSpPr>
+          <p:cNvPr id="2" name="כותרת 1"/>
+          <p:cNvSpPr>
+            <a:spLocks noGrp="1"/>
+          </p:cNvSpPr>
+          <p:nvPr>
+            <p:ph type="title"/>
+          </p:nvPr>
+        </p:nvSpPr>
+        <p:spPr/>
+        <p:txBody>
+          <a:bodyPr rtlCol="1"/>
+          <a:lstStyle/>
+          <a:p>
+            <a:pPr algn="ctr" rtl="1"/>
+            <a:r>
+              <a:rPr lang="en-US" dirty="0"/>
+              <a:t>Comparison with existing Scheme- methods</a:t>
+            </a:r>
+            <a:endParaRPr lang="he-IL" dirty="0">
+              <a:latin typeface="Tahoma" panose="020B0604030504040204" pitchFamily="34" charset="0"/>
+              <a:cs typeface="Tahoma" panose="020B0604030504040204" pitchFamily="34" charset="0"/>
+              <a:sym typeface="Tahoma" panose="020B0604030504040204" pitchFamily="34" charset="0"/>
+            </a:endParaRPr>
+          </a:p>
+        </p:txBody>
+      </p:sp>
       <p:pic>
         <p:nvPicPr>
-          <p:cNvPr id="4" name="מציין מיקום תוכן 3">
+          <p:cNvPr id="8" name="מציין מיקום תוכן 7" descr="תמונה שמכילה טקסט, צילום מסך, גופן, מספר&#10;&#10;התיאור נוצר באופן אוטומטי">
             <a:extLst>
               <a:ext uri="{FF2B5EF4-FFF2-40B4-BE49-F238E27FC236}">
-                <a16:creationId xmlns:a16="http://schemas.microsoft.com/office/drawing/2014/main" id="{5FAE81D2-6E9A-48CB-92D6-B1CD16AFDD2B}"/>
+                <a16:creationId xmlns:a16="http://schemas.microsoft.com/office/drawing/2014/main" id="{3E81509C-4807-5789-3B53-4CCF859E012B}"/>
               </a:ext>
             </a:extLst>
           </p:cNvPr>
@@ -9035,42 +9521,9 @@
         </p:blipFill>
         <p:spPr>
           <a:xfrm>
-            <a:off x="6641438" y="2287898"/>
-            <a:ext cx="5432528" cy="2398403"/>
+            <a:off x="3649667" y="2171700"/>
+            <a:ext cx="5344208" cy="4128832"/>
           </a:xfrm>
-          <a:prstGeom prst="rect">
-            <a:avLst/>
-          </a:prstGeom>
-        </p:spPr>
-      </p:pic>
-      <p:pic>
-        <p:nvPicPr>
-          <p:cNvPr id="3" name="תמונה 2">
-            <a:extLst>
-              <a:ext uri="{FF2B5EF4-FFF2-40B4-BE49-F238E27FC236}">
-                <a16:creationId xmlns:a16="http://schemas.microsoft.com/office/drawing/2014/main" id="{DF122646-29A8-4DFA-A609-D7E963A1093F}"/>
-              </a:ext>
-            </a:extLst>
-          </p:cNvPr>
-          <p:cNvPicPr>
-            <a:picLocks noChangeAspect="1"/>
-          </p:cNvPicPr>
-          <p:nvPr/>
-        </p:nvPicPr>
-        <p:blipFill>
-          <a:blip r:embed="rId4"/>
-          <a:stretch>
-            <a:fillRect/>
-          </a:stretch>
-        </p:blipFill>
-        <p:spPr>
-          <a:xfrm>
-            <a:off x="1303866" y="1820320"/>
-            <a:ext cx="9364132" cy="4706361"/>
-          </a:xfrm>
-          <a:prstGeom prst="rect">
-            <a:avLst/>
-          </a:prstGeom>
         </p:spPr>
       </p:pic>
     </p:spTree>
@@ -9175,16 +9628,18 @@
           </a:p>
           <a:p>
             <a:r>
-              <a:rPr lang="en-US" dirty="0">
-                <a:latin typeface="Tahoma" panose="020B0604030504040204" pitchFamily="34" charset="0"/>
-                <a:cs typeface="Tahoma" panose="020B0604030504040204" pitchFamily="34" charset="0"/>
+              <a:rPr lang="en-US" sz="2100" dirty="0">
                 <a:sym typeface="Tahoma" panose="020B0604030504040204" pitchFamily="34" charset="0"/>
               </a:rPr>
               <a:t>Algorithm</a:t>
             </a:r>
             <a:r>
+              <a:rPr lang="en-US" sz="2100" dirty="0"/>
+              <a:t>-</a:t>
+            </a:r>
+            <a:r>
               <a:rPr lang="en-US" dirty="0"/>
-              <a:t>- Gaussian Elimination</a:t>
+              <a:t> Gaussian Elimination</a:t>
             </a:r>
           </a:p>
           <a:p>
@@ -9660,60 +10115,60 @@
         <p:spPr>
           <a:xfrm>
             <a:off x="1371600" y="2887133"/>
-            <a:ext cx="4724400" cy="2980267"/>
+            <a:ext cx="4724400" cy="3285067"/>
           </a:xfrm>
         </p:spPr>
         <p:txBody>
           <a:bodyPr vert="horz" lIns="91440" tIns="45720" rIns="91440" bIns="45720" rtlCol="1">
-            <a:normAutofit fontScale="70000" lnSpcReduction="20000"/>
+            <a:normAutofit fontScale="92500" lnSpcReduction="20000"/>
           </a:bodyPr>
           <a:lstStyle/>
           <a:p>
             <a:r>
-              <a:rPr lang="en-US" dirty="0"/>
+              <a:rPr lang="en-US" sz="2200" dirty="0"/>
               <a:t>Ease of Use</a:t>
             </a:r>
           </a:p>
           <a:p>
             <a:pPr lvl="1"/>
             <a:r>
-              <a:rPr lang="en-US" dirty="0"/>
+              <a:rPr lang="en-US" sz="1600" dirty="0"/>
               <a:t>Python is generally considered easier to learn and use compared to Scheme. </a:t>
             </a:r>
           </a:p>
           <a:p>
             <a:pPr lvl="1"/>
             <a:r>
-              <a:rPr lang="en-US" dirty="0"/>
+              <a:rPr lang="en-US" sz="1600" dirty="0"/>
               <a:t>This can be beneficial for rapid prototyping and collaboration with developers who might not be familiar with Scheme.</a:t>
             </a:r>
           </a:p>
           <a:p>
             <a:r>
-              <a:rPr lang="en-US" dirty="0"/>
+              <a:rPr lang="en-US" sz="2200" dirty="0"/>
               <a:t>NumPy's arrays are more compact than Python lists </a:t>
             </a:r>
           </a:p>
           <a:p>
             <a:pPr lvl="1"/>
             <a:r>
-              <a:rPr lang="en-US" dirty="0"/>
+              <a:rPr lang="en-US" sz="1600" dirty="0"/>
               <a:t>performance for numerical computations like matrix operations.	</a:t>
             </a:r>
           </a:p>
           <a:p>
             <a:r>
-              <a:rPr lang="en-US" dirty="0"/>
+              <a:rPr lang="en-US" sz="2200" dirty="0"/>
               <a:t>Readability</a:t>
             </a:r>
           </a:p>
           <a:p>
             <a:pPr lvl="1"/>
             <a:r>
-              <a:rPr lang="en-US" i="0" dirty="0"/>
+              <a:rPr lang="en-US" sz="1600" i="0" dirty="0"/>
               <a:t>Python code maintains good readability with clear function definitions and comments</a:t>
             </a:r>
-            <a:endParaRPr lang="en-US" dirty="0"/>
+            <a:endParaRPr lang="en-US" sz="1600" dirty="0"/>
           </a:p>
         </p:txBody>
       </p:sp>
@@ -9772,7 +10227,7 @@
         </p:spPr>
         <p:txBody>
           <a:bodyPr>
-            <a:normAutofit fontScale="70000" lnSpcReduction="20000"/>
+            <a:normAutofit fontScale="92500" lnSpcReduction="20000"/>
           </a:bodyPr>
           <a:lstStyle/>
           <a:p>
@@ -9889,15 +10344,7 @@
             <a:pPr algn="l" rtl="0"/>
             <a:r>
               <a:rPr lang="en-US" dirty="0"/>
-              <a:t>Add the </a:t>
-            </a:r>
-            <a:r>
-              <a:rPr lang="en-US" dirty="0" err="1"/>
-              <a:t>pivot_row</a:t>
-            </a:r>
-            <a:r>
-              <a:rPr lang="en-US" dirty="0"/>
-              <a:t> to the row instead of swap rows</a:t>
+              <a:t>Add the pivot row to the row instead of swap rows</a:t>
             </a:r>
           </a:p>
           <a:p>
@@ -10017,7 +10464,12 @@
             <p:ph type="title"/>
           </p:nvPr>
         </p:nvSpPr>
-        <p:spPr/>
+        <p:spPr>
+          <a:xfrm>
+            <a:off x="1295399" y="124157"/>
+            <a:ext cx="9601200" cy="1485900"/>
+          </a:xfrm>
+        </p:spPr>
         <p:txBody>
           <a:bodyPr rtlCol="1"/>
           <a:lstStyle/>
@@ -10027,30 +10479,6 @@
               <a:rPr lang="en-US" dirty="0"/>
               <a:t>Comparison with existing Python methods</a:t>
             </a:r>
-            <a:endParaRPr lang="he-IL" dirty="0">
-              <a:latin typeface="Tahoma" panose="020B0604030504040204" pitchFamily="34" charset="0"/>
-              <a:cs typeface="Tahoma" panose="020B0604030504040204" pitchFamily="34" charset="0"/>
-              <a:sym typeface="Tahoma" panose="020B0604030504040204" pitchFamily="34" charset="0"/>
-            </a:endParaRPr>
-          </a:p>
-        </p:txBody>
-      </p:sp>
-      <p:sp>
-        <p:nvSpPr>
-          <p:cNvPr id="3" name="מציין מיקום תוכן 2"/>
-          <p:cNvSpPr>
-            <a:spLocks noGrp="1"/>
-          </p:cNvSpPr>
-          <p:nvPr>
-            <p:ph idx="1"/>
-          </p:nvPr>
-        </p:nvSpPr>
-        <p:spPr/>
-        <p:txBody>
-          <a:bodyPr rtlCol="1"/>
-          <a:lstStyle/>
-          <a:p>
-            <a:pPr algn="r" rtl="1"/>
             <a:endParaRPr lang="he-IL" dirty="0">
               <a:latin typeface="Tahoma" panose="020B0604030504040204" pitchFamily="34" charset="0"/>
               <a:cs typeface="Tahoma" panose="020B0604030504040204" pitchFamily="34" charset="0"/>
@@ -10073,16 +10501,15 @@
           </p:cNvPicPr>
           <p:nvPr/>
         </p:nvPicPr>
-        <p:blipFill>
+        <p:blipFill rotWithShape="1">
           <a:blip r:embed="rId3"/>
-          <a:stretch>
-            <a:fillRect/>
-          </a:stretch>
+          <a:srcRect b="67790"/>
+          <a:stretch/>
         </p:blipFill>
         <p:spPr>
           <a:xfrm>
-            <a:off x="3834776" y="1651000"/>
-            <a:ext cx="5106397" cy="5130800"/>
+            <a:off x="1753876" y="2331019"/>
+            <a:ext cx="9366115" cy="3031291"/>
           </a:xfrm>
           <a:prstGeom prst="rect">
             <a:avLst/>
@@ -10143,329 +10570,60 @@
         </p:nvSpPr>
         <p:spPr>
           <a:xfrm>
-            <a:off x="1439333" y="433319"/>
+            <a:off x="1295399" y="124157"/>
             <a:ext cx="9601200" cy="1485900"/>
           </a:xfrm>
         </p:spPr>
         <p:txBody>
-          <a:bodyPr/>
+          <a:bodyPr rtlCol="1"/>
           <a:lstStyle/>
           <a:p>
+            <a:pPr algn="ctr" rtl="1"/>
             <a:r>
               <a:rPr lang="en-US" dirty="0"/>
-              <a:t>Scheme- Advantages and Disadvantage</a:t>
+              <a:t>Comparison with existing Python methods</a:t>
             </a:r>
             <a:endParaRPr lang="he-IL" dirty="0">
+              <a:latin typeface="Tahoma" panose="020B0604030504040204" pitchFamily="34" charset="0"/>
+              <a:cs typeface="Tahoma" panose="020B0604030504040204" pitchFamily="34" charset="0"/>
               <a:sym typeface="Tahoma" panose="020B0604030504040204" pitchFamily="34" charset="0"/>
             </a:endParaRPr>
           </a:p>
         </p:txBody>
       </p:sp>
-      <p:sp>
-        <p:nvSpPr>
-          <p:cNvPr id="18" name="מציין מיקום טקסט 17">
+      <p:pic>
+        <p:nvPicPr>
+          <p:cNvPr id="5" name="תמונה 4">
             <a:extLst>
               <a:ext uri="{FF2B5EF4-FFF2-40B4-BE49-F238E27FC236}">
-                <a16:creationId xmlns:a16="http://schemas.microsoft.com/office/drawing/2014/main" id="{C75E0BC0-6209-4AE2-A4A6-206A6074BE3B}"/>
+                <a16:creationId xmlns:a16="http://schemas.microsoft.com/office/drawing/2014/main" id="{5DAF5E3D-03C1-2D21-A696-E147ECE1C45C}"/>
               </a:ext>
             </a:extLst>
           </p:cNvPr>
-          <p:cNvSpPr>
-            <a:spLocks noGrp="1"/>
-          </p:cNvSpPr>
-          <p:nvPr>
-            <p:ph type="body" idx="1"/>
-          </p:nvPr>
-        </p:nvSpPr>
+          <p:cNvPicPr>
+            <a:picLocks noChangeAspect="1"/>
+          </p:cNvPicPr>
+          <p:nvPr/>
+        </p:nvPicPr>
+        <p:blipFill rotWithShape="1">
+          <a:blip r:embed="rId3"/>
+          <a:srcRect t="31369" b="2119"/>
+          <a:stretch/>
+        </p:blipFill>
         <p:spPr>
           <a:xfrm>
-            <a:off x="1303866" y="1388052"/>
-            <a:ext cx="4443984" cy="823912"/>
+            <a:off x="2445905" y="1251062"/>
+            <a:ext cx="7950749" cy="5313511"/>
           </a:xfrm>
+          <a:prstGeom prst="rect">
+            <a:avLst/>
+          </a:prstGeom>
         </p:spPr>
-        <p:txBody>
-          <a:bodyPr/>
-          <a:lstStyle/>
-          <a:p>
-            <a:r>
-              <a:rPr lang="en-US" dirty="0"/>
-              <a:t>Advantages:</a:t>
-            </a:r>
-          </a:p>
-          <a:p>
-            <a:endParaRPr lang="en-IL" dirty="0"/>
-          </a:p>
-        </p:txBody>
-      </p:sp>
-      <p:sp>
-        <p:nvSpPr>
-          <p:cNvPr id="6" name="מציין מיקום תוכן 5">
-            <a:extLst>
-              <a:ext uri="{FF2B5EF4-FFF2-40B4-BE49-F238E27FC236}">
-                <a16:creationId xmlns:a16="http://schemas.microsoft.com/office/drawing/2014/main" id="{3F51358B-E215-52EA-8851-C93A3E56B852}"/>
-              </a:ext>
-            </a:extLst>
-          </p:cNvPr>
-          <p:cNvSpPr>
-            <a:spLocks noGrp="1"/>
-          </p:cNvSpPr>
-          <p:nvPr>
-            <p:ph sz="half" idx="2"/>
-          </p:nvPr>
-        </p:nvSpPr>
-        <p:spPr>
-          <a:xfrm>
-            <a:off x="1439333" y="1953256"/>
-            <a:ext cx="4443984" cy="4752344"/>
-          </a:xfrm>
-        </p:spPr>
-        <p:txBody>
-          <a:bodyPr>
-            <a:noAutofit/>
-          </a:bodyPr>
-          <a:lstStyle/>
-          <a:p>
-            <a:r>
-              <a:rPr lang="en-US" sz="1100" dirty="0"/>
-              <a:t>Tail Call Optimization</a:t>
-            </a:r>
-          </a:p>
-          <a:p>
-            <a:r>
-              <a:rPr lang="en-US" sz="1100" dirty="0"/>
-              <a:t>Functional Paradigm: </a:t>
-            </a:r>
-          </a:p>
-          <a:p>
-            <a:pPr lvl="1"/>
-            <a:r>
-              <a:rPr lang="en-US" sz="1100" dirty="0"/>
-              <a:t>Scheme's functional programming paradigm can lead to concise and expressive code, especially for mathematical computations like matrix operations.</a:t>
-            </a:r>
-          </a:p>
-          <a:p>
-            <a:r>
-              <a:rPr lang="en-US" sz="1100" dirty="0"/>
-              <a:t>Conciseness:</a:t>
-            </a:r>
-          </a:p>
-          <a:p>
-            <a:pPr lvl="1"/>
-            <a:r>
-              <a:rPr lang="en-US" sz="1100" dirty="0"/>
-              <a:t> Scheme is known for its concise syntax, which can lead to shorter and more readable code compared to verbose languages like C++. This can be beneficial for smaller algorithms or prototypes.</a:t>
-            </a:r>
-          </a:p>
-          <a:p>
-            <a:r>
-              <a:rPr lang="en-US" sz="1100" dirty="0"/>
-              <a:t>Lisp Dialect: </a:t>
-            </a:r>
-          </a:p>
-          <a:p>
-            <a:pPr lvl="1"/>
-            <a:r>
-              <a:rPr lang="en-US" sz="1100" dirty="0"/>
-              <a:t>Being a Lisp dialect, Scheme offers powerful features like higher-order functions and macros, which can simplify expressing certain algorithms. The provided code utilizes higher-order functions for finding pivots and eliminating elements.</a:t>
-            </a:r>
-          </a:p>
-          <a:p>
-            <a:r>
-              <a:rPr lang="en-US" sz="1100" dirty="0"/>
-              <a:t>Functional Programming Paradigm:</a:t>
-            </a:r>
-          </a:p>
-          <a:p>
-            <a:pPr lvl="1"/>
-            <a:r>
-              <a:rPr lang="en-US" sz="1100" dirty="0"/>
-              <a:t> Scheme promotes a functional programming style, which can make code more modular and easier to reason about. The separation of concerns seen in the provided functions (e.g., find-pivot, eliminate, gaussian-elimination) exemplifies this.</a:t>
-            </a:r>
-          </a:p>
-          <a:p>
-            <a:r>
-              <a:rPr lang="en-US" sz="1100" dirty="0" err="1"/>
-              <a:t>Flomat</a:t>
-            </a:r>
-            <a:r>
-              <a:rPr lang="en-US" sz="1100" dirty="0"/>
-              <a:t> Usage</a:t>
-            </a:r>
-          </a:p>
-          <a:p>
-            <a:pPr lvl="1"/>
-            <a:r>
-              <a:rPr lang="en-US" sz="1100" dirty="0"/>
-              <a:t>Utilizing </a:t>
-            </a:r>
-            <a:r>
-              <a:rPr lang="en-US" sz="1100" dirty="0" err="1"/>
-              <a:t>Flomat</a:t>
-            </a:r>
-            <a:r>
-              <a:rPr lang="en-US" sz="1100" dirty="0"/>
-              <a:t> helps mitigate the performance concerns to some extent, as it likely provides optimized functions for core matrix operations.</a:t>
-            </a:r>
-          </a:p>
-          <a:p>
-            <a:r>
-              <a:rPr lang="en-US" sz="1100" dirty="0"/>
-              <a:t>Readability:</a:t>
-            </a:r>
-          </a:p>
-          <a:p>
-            <a:pPr lvl="1"/>
-            <a:r>
-              <a:rPr lang="en-US" sz="1100" dirty="0"/>
-              <a:t> The code maintains good readability with clear function definitions and comments.</a:t>
-            </a:r>
-          </a:p>
-          <a:p>
-            <a:endParaRPr lang="he-IL" sz="1100" dirty="0"/>
-          </a:p>
-        </p:txBody>
-      </p:sp>
-      <p:sp>
-        <p:nvSpPr>
-          <p:cNvPr id="19" name="מציין מיקום טקסט 18">
-            <a:extLst>
-              <a:ext uri="{FF2B5EF4-FFF2-40B4-BE49-F238E27FC236}">
-                <a16:creationId xmlns:a16="http://schemas.microsoft.com/office/drawing/2014/main" id="{D3183524-C9AA-4273-ABB6-2C464B3B29D8}"/>
-              </a:ext>
-            </a:extLst>
-          </p:cNvPr>
-          <p:cNvSpPr>
-            <a:spLocks noGrp="1"/>
-          </p:cNvSpPr>
-          <p:nvPr>
-            <p:ph type="body" sz="quarter" idx="3"/>
-          </p:nvPr>
-        </p:nvSpPr>
-        <p:spPr>
-          <a:xfrm>
-            <a:off x="6596549" y="1551234"/>
-            <a:ext cx="4443984" cy="823912"/>
-          </a:xfrm>
-        </p:spPr>
-        <p:txBody>
-          <a:bodyPr/>
-          <a:lstStyle/>
-          <a:p>
-            <a:r>
-              <a:rPr lang="en-US" dirty="0"/>
-              <a:t>Disadvantage:</a:t>
-            </a:r>
-            <a:endParaRPr lang="he-IL" dirty="0"/>
-          </a:p>
-          <a:p>
-            <a:endParaRPr lang="en-IL" dirty="0"/>
-          </a:p>
-        </p:txBody>
-      </p:sp>
-      <p:sp>
-        <p:nvSpPr>
-          <p:cNvPr id="7" name="מציין מיקום תוכן 6">
-            <a:extLst>
-              <a:ext uri="{FF2B5EF4-FFF2-40B4-BE49-F238E27FC236}">
-                <a16:creationId xmlns:a16="http://schemas.microsoft.com/office/drawing/2014/main" id="{732BA92E-FD30-E029-9CCA-B2E9005958A8}"/>
-              </a:ext>
-            </a:extLst>
-          </p:cNvPr>
-          <p:cNvSpPr>
-            <a:spLocks noGrp="1"/>
-          </p:cNvSpPr>
-          <p:nvPr>
-            <p:ph sz="quarter" idx="4"/>
-          </p:nvPr>
-        </p:nvSpPr>
-        <p:spPr>
-          <a:xfrm>
-            <a:off x="7168480" y="2211964"/>
-            <a:ext cx="4443984" cy="4493636"/>
-          </a:xfrm>
-        </p:spPr>
-        <p:txBody>
-          <a:bodyPr>
-            <a:normAutofit fontScale="25000" lnSpcReduction="20000"/>
-          </a:bodyPr>
-          <a:lstStyle/>
-          <a:p>
-            <a:r>
-              <a:rPr lang="en-US" sz="5600" dirty="0"/>
-              <a:t>Performance: </a:t>
-            </a:r>
-          </a:p>
-          <a:p>
-            <a:pPr lvl="1"/>
-            <a:r>
-              <a:rPr lang="en-US" sz="5600" dirty="0"/>
-              <a:t>Scheme, especially compared to compiled languages, can be slower for computationally intensive tasks like matrix operations.</a:t>
-            </a:r>
-          </a:p>
-          <a:p>
-            <a:pPr lvl="1"/>
-            <a:r>
-              <a:rPr lang="en-US" sz="5600" dirty="0"/>
-              <a:t> This is particularly true for large matrices as seen in your execution times.</a:t>
-            </a:r>
-          </a:p>
-          <a:p>
-            <a:r>
-              <a:rPr lang="en-US" sz="5600" dirty="0"/>
-              <a:t>Limited Libraries</a:t>
-            </a:r>
-          </a:p>
-          <a:p>
-            <a:pPr lvl="1"/>
-            <a:r>
-              <a:rPr lang="en-US" sz="5600" dirty="0"/>
-              <a:t>: While libraries like </a:t>
-            </a:r>
-            <a:r>
-              <a:rPr lang="en-US" sz="5600" dirty="0" err="1"/>
-              <a:t>Flomat</a:t>
-            </a:r>
-            <a:r>
-              <a:rPr lang="en-US" sz="5600" dirty="0"/>
-              <a:t> exist, the ecosystem of optimized numerical libraries might be smaller compared to languages like Python or C++. </a:t>
-            </a:r>
-          </a:p>
-          <a:p>
-            <a:pPr lvl="1"/>
-            <a:r>
-              <a:rPr lang="en-US" sz="5600" dirty="0"/>
-              <a:t>This can limit performance gains, especially for complex linear algebra operations.</a:t>
-            </a:r>
-          </a:p>
-          <a:p>
-            <a:r>
-              <a:rPr lang="en-US" sz="5600" dirty="0"/>
-              <a:t>Dynamic Typing: </a:t>
-            </a:r>
-          </a:p>
-          <a:p>
-            <a:pPr lvl="1"/>
-            <a:r>
-              <a:rPr lang="en-US" sz="5600" dirty="0"/>
-              <a:t>Scheme's dynamic typing can sometimes lead to runtime errors if data types aren't handled carefully. </a:t>
-            </a:r>
-          </a:p>
-          <a:p>
-            <a:pPr lvl="1"/>
-            <a:r>
-              <a:rPr lang="en-US" sz="5600" dirty="0"/>
-              <a:t>This can be mitigated with good coding practices and type annotations (available in some Scheme implementations).</a:t>
-            </a:r>
-          </a:p>
-          <a:p>
-            <a:endParaRPr lang="he-IL" sz="200" dirty="0"/>
-          </a:p>
-        </p:txBody>
-      </p:sp>
+      </p:pic>
     </p:spTree>
     <p:extLst>
       <p:ext uri="{BB962C8B-B14F-4D97-AF65-F5344CB8AC3E}">
-        <p14:creationId xmlns:p14="http://schemas.microsoft.com/office/powerpoint/2010/main" val="4183606066"/>
+        <p14:creationId xmlns:p14="http://schemas.microsoft.com/office/powerpoint/2010/main" val="3847616814"/>
       </p:ext>
     </p:extLst>
   </p:cSld>
@@ -10514,19 +10672,21 @@
             <p:ph type="title"/>
           </p:nvPr>
         </p:nvSpPr>
-        <p:spPr/>
-        <p:txBody>
-          <a:bodyPr rtlCol="1"/>
+        <p:spPr>
+          <a:xfrm>
+            <a:off x="1439333" y="433319"/>
+            <a:ext cx="9601200" cy="1485900"/>
+          </a:xfrm>
+        </p:spPr>
+        <p:txBody>
+          <a:bodyPr/>
           <a:lstStyle/>
           <a:p>
-            <a:pPr algn="ctr" rtl="1"/>
             <a:r>
               <a:rPr lang="en-US" dirty="0"/>
-              <a:t>Scheme- Optimization Techniques</a:t>
+              <a:t>Scheme- Advantages and Disadvantage</a:t>
             </a:r>
             <a:endParaRPr lang="he-IL" dirty="0">
-              <a:latin typeface="Tahoma" panose="020B0604030504040204" pitchFamily="34" charset="0"/>
-              <a:cs typeface="Tahoma" panose="020B0604030504040204" pitchFamily="34" charset="0"/>
               <a:sym typeface="Tahoma" panose="020B0604030504040204" pitchFamily="34" charset="0"/>
             </a:endParaRPr>
           </a:p>
@@ -10534,115 +10694,283 @@
       </p:sp>
       <p:sp>
         <p:nvSpPr>
-          <p:cNvPr id="3" name="מציין מיקום תוכן 2"/>
-          <p:cNvSpPr>
-            <a:spLocks noGrp="1"/>
-          </p:cNvSpPr>
-          <p:nvPr>
-            <p:ph idx="1"/>
+          <p:cNvPr id="18" name="מציין מיקום טקסט 17">
+            <a:extLst>
+              <a:ext uri="{FF2B5EF4-FFF2-40B4-BE49-F238E27FC236}">
+                <a16:creationId xmlns:a16="http://schemas.microsoft.com/office/drawing/2014/main" id="{C75E0BC0-6209-4AE2-A4A6-206A6074BE3B}"/>
+              </a:ext>
+            </a:extLst>
+          </p:cNvPr>
+          <p:cNvSpPr>
+            <a:spLocks noGrp="1"/>
+          </p:cNvSpPr>
+          <p:nvPr>
+            <p:ph type="body" idx="1"/>
           </p:nvPr>
         </p:nvSpPr>
         <p:spPr>
           <a:xfrm>
-            <a:off x="1371600" y="2285999"/>
-            <a:ext cx="9601200" cy="4453467"/>
+            <a:off x="1303866" y="1388052"/>
+            <a:ext cx="4443984" cy="823912"/>
           </a:xfrm>
         </p:spPr>
         <p:txBody>
-          <a:bodyPr rtlCol="1">
-            <a:normAutofit/>
+          <a:bodyPr/>
+          <a:lstStyle/>
+          <a:p>
+            <a:r>
+              <a:rPr lang="en-US" dirty="0"/>
+              <a:t>Advantages:</a:t>
+            </a:r>
+          </a:p>
+          <a:p>
+            <a:endParaRPr lang="en-IL" dirty="0"/>
+          </a:p>
+        </p:txBody>
+      </p:sp>
+      <p:sp>
+        <p:nvSpPr>
+          <p:cNvPr id="6" name="מציין מיקום תוכן 5">
+            <a:extLst>
+              <a:ext uri="{FF2B5EF4-FFF2-40B4-BE49-F238E27FC236}">
+                <a16:creationId xmlns:a16="http://schemas.microsoft.com/office/drawing/2014/main" id="{3F51358B-E215-52EA-8851-C93A3E56B852}"/>
+              </a:ext>
+            </a:extLst>
+          </p:cNvPr>
+          <p:cNvSpPr>
+            <a:spLocks noGrp="1"/>
+          </p:cNvSpPr>
+          <p:nvPr>
+            <p:ph sz="half" idx="2"/>
+          </p:nvPr>
+        </p:nvSpPr>
+        <p:spPr>
+          <a:xfrm>
+            <a:off x="1439332" y="1953256"/>
+            <a:ext cx="4656667" cy="4752344"/>
+          </a:xfrm>
+        </p:spPr>
+        <p:txBody>
+          <a:bodyPr>
+            <a:noAutofit/>
           </a:bodyPr>
           <a:lstStyle/>
           <a:p>
-            <a:pPr algn="l" rtl="0"/>
+            <a:r>
+              <a:rPr lang="en-US" sz="1400" dirty="0"/>
+              <a:t>Tail Call Optimization</a:t>
+            </a:r>
+          </a:p>
+          <a:p>
+            <a:r>
+              <a:rPr lang="en-US" sz="1400" dirty="0"/>
+              <a:t>Functional Paradigm: </a:t>
+            </a:r>
+          </a:p>
+          <a:p>
+            <a:pPr lvl="1"/>
+            <a:r>
+              <a:rPr lang="en-US" sz="1400" dirty="0"/>
+              <a:t>Scheme's functional programming paradigm can lead to concise and expressive code, especially for mathematical computations like matrix operations.</a:t>
+            </a:r>
+          </a:p>
+          <a:p>
+            <a:r>
+              <a:rPr lang="en-US" sz="1400" dirty="0"/>
+              <a:t>Conciseness:</a:t>
+            </a:r>
+          </a:p>
+          <a:p>
+            <a:pPr lvl="1"/>
+            <a:r>
+              <a:rPr lang="en-US" sz="1400" dirty="0"/>
+              <a:t> Scheme is known for its concise syntax, which can lead to shorter and more readable code compared to verbose languages like C++. .</a:t>
+            </a:r>
+          </a:p>
+          <a:p>
+            <a:r>
+              <a:rPr lang="en-US" sz="1400" dirty="0" err="1"/>
+              <a:t>Flomat</a:t>
+            </a:r>
+            <a:r>
+              <a:rPr lang="en-US" sz="1400" dirty="0"/>
+              <a:t> Usage</a:t>
+            </a:r>
+          </a:p>
+          <a:p>
+            <a:pPr lvl="1"/>
+            <a:r>
+              <a:rPr lang="en-US" sz="1400" dirty="0"/>
+              <a:t>Utilizing </a:t>
+            </a:r>
+            <a:r>
+              <a:rPr lang="en-US" sz="1400" dirty="0" err="1"/>
+              <a:t>Flomat</a:t>
+            </a:r>
+            <a:r>
+              <a:rPr lang="en-US" sz="1400" dirty="0"/>
+              <a:t> helps mitigate the performance concerns to some extent, as it likely provides optimized functions for core matrix operations.</a:t>
+            </a:r>
+          </a:p>
+          <a:p>
+            <a:r>
+              <a:rPr lang="en-US" sz="1400" dirty="0"/>
+              <a:t>Readability:</a:t>
+            </a:r>
+          </a:p>
+          <a:p>
+            <a:pPr lvl="1"/>
+            <a:r>
+              <a:rPr lang="en-US" sz="1400" dirty="0"/>
+              <a:t> The code maintains good readability with clear function definitions and comments.</a:t>
+            </a:r>
+          </a:p>
+          <a:p>
+            <a:endParaRPr lang="he-IL" sz="1400" dirty="0"/>
+          </a:p>
+        </p:txBody>
+      </p:sp>
+      <p:sp>
+        <p:nvSpPr>
+          <p:cNvPr id="19" name="מציין מיקום טקסט 18">
+            <a:extLst>
+              <a:ext uri="{FF2B5EF4-FFF2-40B4-BE49-F238E27FC236}">
+                <a16:creationId xmlns:a16="http://schemas.microsoft.com/office/drawing/2014/main" id="{D3183524-C9AA-4273-ABB6-2C464B3B29D8}"/>
+              </a:ext>
+            </a:extLst>
+          </p:cNvPr>
+          <p:cNvSpPr>
+            <a:spLocks noGrp="1"/>
+          </p:cNvSpPr>
+          <p:nvPr>
+            <p:ph type="body" sz="quarter" idx="3"/>
+          </p:nvPr>
+        </p:nvSpPr>
+        <p:spPr>
+          <a:xfrm>
+            <a:off x="6596549" y="1551234"/>
+            <a:ext cx="4443984" cy="823912"/>
+          </a:xfrm>
+        </p:spPr>
+        <p:txBody>
+          <a:bodyPr/>
+          <a:lstStyle/>
+          <a:p>
             <a:r>
               <a:rPr lang="en-US" dirty="0"/>
-              <a:t>Add the </a:t>
-            </a:r>
-            <a:r>
-              <a:rPr lang="en-US" dirty="0" err="1"/>
-              <a:t>pivot_row</a:t>
-            </a:r>
-            <a:r>
-              <a:rPr lang="en-US" dirty="0"/>
-              <a:t> to the row instead of swap rows</a:t>
-            </a:r>
-          </a:p>
-          <a:p>
-            <a:pPr algn="l" rtl="0"/>
-            <a:r>
-              <a:rPr lang="en-US" dirty="0">
-                <a:latin typeface="Tahoma" panose="020B0604030504040204" pitchFamily="34" charset="0"/>
-                <a:cs typeface="Tahoma" panose="020B0604030504040204" pitchFamily="34" charset="0"/>
-                <a:sym typeface="Tahoma" panose="020B0604030504040204" pitchFamily="34" charset="0"/>
-              </a:rPr>
-              <a:t>Using matrix operations (+, * and more) instead of loops to reset the col elements. </a:t>
-            </a:r>
-          </a:p>
-          <a:p>
-            <a:r>
-              <a:rPr lang="en-US" dirty="0">
-                <a:latin typeface="Tahoma" panose="020B0604030504040204" pitchFamily="34" charset="0"/>
-                <a:cs typeface="Tahoma" panose="020B0604030504040204" pitchFamily="34" charset="0"/>
-                <a:sym typeface="Tahoma" panose="020B0604030504040204" pitchFamily="34" charset="0"/>
-              </a:rPr>
-              <a:t>The code utilizes the </a:t>
-            </a:r>
-            <a:r>
-              <a:rPr lang="en-US" dirty="0" err="1">
-                <a:latin typeface="Tahoma" panose="020B0604030504040204" pitchFamily="34" charset="0"/>
-                <a:cs typeface="Tahoma" panose="020B0604030504040204" pitchFamily="34" charset="0"/>
-                <a:sym typeface="Tahoma" panose="020B0604030504040204" pitchFamily="34" charset="0"/>
-              </a:rPr>
+              <a:t>Disadvantage:</a:t>
+            </a:r>
+            <a:endParaRPr lang="he-IL" dirty="0"/>
+          </a:p>
+          <a:p>
+            <a:endParaRPr lang="en-IL" dirty="0"/>
+          </a:p>
+        </p:txBody>
+      </p:sp>
+      <p:sp>
+        <p:nvSpPr>
+          <p:cNvPr id="7" name="מציין מיקום תוכן 6">
+            <a:extLst>
+              <a:ext uri="{FF2B5EF4-FFF2-40B4-BE49-F238E27FC236}">
+                <a16:creationId xmlns:a16="http://schemas.microsoft.com/office/drawing/2014/main" id="{732BA92E-FD30-E029-9CCA-B2E9005958A8}"/>
+              </a:ext>
+            </a:extLst>
+          </p:cNvPr>
+          <p:cNvSpPr>
+            <a:spLocks noGrp="1"/>
+          </p:cNvSpPr>
+          <p:nvPr>
+            <p:ph sz="quarter" idx="4"/>
+          </p:nvPr>
+        </p:nvSpPr>
+        <p:spPr>
+          <a:xfrm>
+            <a:off x="7168480" y="2211964"/>
+            <a:ext cx="4443984" cy="4493636"/>
+          </a:xfrm>
+        </p:spPr>
+        <p:txBody>
+          <a:bodyPr>
+            <a:normAutofit fontScale="25000" lnSpcReduction="20000"/>
+          </a:bodyPr>
+          <a:lstStyle/>
+          <a:p>
+            <a:r>
+              <a:rPr lang="en-US" sz="5600" dirty="0"/>
+              <a:t>Performance: </a:t>
+            </a:r>
+          </a:p>
+          <a:p>
+            <a:pPr lvl="1"/>
+            <a:r>
+              <a:rPr lang="en-US" sz="5600" dirty="0"/>
+              <a:t>Scheme, especially compared to compiled languages, can be slower for computationally intensive tasks like matrix operations.</a:t>
+            </a:r>
+          </a:p>
+          <a:p>
+            <a:pPr lvl="1"/>
+            <a:r>
+              <a:rPr lang="en-US" sz="5600" dirty="0"/>
+              <a:t> This is particularly true for large matrices as seen in our execution times.</a:t>
+            </a:r>
+          </a:p>
+          <a:p>
+            <a:r>
+              <a:rPr lang="en-US" sz="5600" dirty="0"/>
+              <a:t>Limited Libraries</a:t>
+            </a:r>
+          </a:p>
+          <a:p>
+            <a:pPr lvl="1"/>
+            <a:r>
+              <a:rPr lang="en-US" sz="5600" dirty="0"/>
+              <a:t>: While libraries like </a:t>
+            </a:r>
+            <a:r>
+              <a:rPr lang="en-US" sz="5600" dirty="0" err="1"/>
               <a:t>Flomat</a:t>
             </a:r>
             <a:r>
-              <a:rPr lang="en-US" dirty="0">
-                <a:latin typeface="Tahoma" panose="020B0604030504040204" pitchFamily="34" charset="0"/>
-                <a:cs typeface="Tahoma" panose="020B0604030504040204" pitchFamily="34" charset="0"/>
-                <a:sym typeface="Tahoma" panose="020B0604030504040204" pitchFamily="34" charset="0"/>
-              </a:rPr>
-              <a:t> library</a:t>
+              <a:rPr lang="en-US" sz="5600" dirty="0"/>
+              <a:t> exist, the ecosystem of optimized numerical libraries might be smaller compared to languages like Python or C++. </a:t>
             </a:r>
           </a:p>
           <a:p>
             <a:pPr lvl="1"/>
             <a:r>
-              <a:rPr lang="en-US" dirty="0">
-                <a:latin typeface="Tahoma" panose="020B0604030504040204" pitchFamily="34" charset="0"/>
-                <a:cs typeface="Tahoma" panose="020B0604030504040204" pitchFamily="34" charset="0"/>
-                <a:sym typeface="Tahoma" panose="020B0604030504040204" pitchFamily="34" charset="0"/>
-              </a:rPr>
-              <a:t>provides optimized functions for matrix operations like addition, subtraction, and multiplication. This can significantly improve performance compared to implementing these operations from scratch.</a:t>
-            </a:r>
-          </a:p>
-          <a:p>
-            <a:r>
-              <a:rPr lang="en-US" dirty="0">
-                <a:latin typeface="Tahoma" panose="020B0604030504040204" pitchFamily="34" charset="0"/>
-                <a:cs typeface="Tahoma" panose="020B0604030504040204" pitchFamily="34" charset="0"/>
-                <a:sym typeface="Tahoma" panose="020B0604030504040204" pitchFamily="34" charset="0"/>
-              </a:rPr>
-              <a:t>Recursive approach for inverse calculation:</a:t>
+              <a:rPr lang="en-US" sz="5600" dirty="0"/>
+              <a:t>This can limit performance gains, especially for complex linear algebra operations.</a:t>
+            </a:r>
+          </a:p>
+          <a:p>
+            <a:r>
+              <a:rPr lang="en-US" sz="5600" dirty="0"/>
+              <a:t>Dynamic Typing: </a:t>
             </a:r>
           </a:p>
           <a:p>
             <a:pPr lvl="1"/>
             <a:r>
-              <a:rPr lang="en-US" dirty="0">
-                <a:latin typeface="Tahoma" panose="020B0604030504040204" pitchFamily="34" charset="0"/>
-                <a:cs typeface="Tahoma" panose="020B0604030504040204" pitchFamily="34" charset="0"/>
-                <a:sym typeface="Tahoma" panose="020B0604030504040204" pitchFamily="34" charset="0"/>
-              </a:rPr>
-              <a:t>The inverse-matrix-calculation function uses a recursive approach to efficiently calculate the matrix inverse. This can be more memory-efficient compared to iterative approaches.</a:t>
-            </a:r>
+              <a:rPr lang="en-US" sz="5600" dirty="0"/>
+              <a:t>Scheme's dynamic typing can sometimes lead to runtime errors if data types aren't handled carefully. </a:t>
+            </a:r>
+          </a:p>
+          <a:p>
+            <a:pPr lvl="1"/>
+            <a:r>
+              <a:rPr lang="en-US" sz="5600" dirty="0"/>
+              <a:t>This can be mitigated with good coding practices and type annotations (available in some Scheme implementations).</a:t>
+            </a:r>
+          </a:p>
+          <a:p>
+            <a:endParaRPr lang="he-IL" sz="200" dirty="0"/>
           </a:p>
         </p:txBody>
       </p:sp>
     </p:spTree>
     <p:extLst>
       <p:ext uri="{BB962C8B-B14F-4D97-AF65-F5344CB8AC3E}">
-        <p14:creationId xmlns:p14="http://schemas.microsoft.com/office/powerpoint/2010/main" val="1555210222"/>
+        <p14:creationId xmlns:p14="http://schemas.microsoft.com/office/powerpoint/2010/main" val="4183606066"/>
       </p:ext>
     </p:extLst>
   </p:cSld>

--- a/Matrix_Properties_Algorithms[1].pptx
+++ b/Matrix_Properties_Algorithms[1].pptx
@@ -5,10 +5,10 @@
     <p:sldMasterId id="2147483859" r:id="rId1"/>
   </p:sldMasterIdLst>
   <p:notesMasterIdLst>
-    <p:notesMasterId r:id="rId13"/>
+    <p:notesMasterId r:id="rId14"/>
   </p:notesMasterIdLst>
   <p:handoutMasterIdLst>
-    <p:handoutMasterId r:id="rId14"/>
+    <p:handoutMasterId r:id="rId15"/>
   </p:handoutMasterIdLst>
   <p:sldIdLst>
     <p:sldId id="270" r:id="rId2"/>
@@ -22,6 +22,7 @@
     <p:sldId id="288" r:id="rId10"/>
     <p:sldId id="285" r:id="rId11"/>
     <p:sldId id="287" r:id="rId12"/>
+    <p:sldId id="292" r:id="rId13"/>
   </p:sldIdLst>
   <p:sldSz cx="12192000" cy="6858000"/>
   <p:notesSz cx="6858000" cy="9144000"/>
@@ -1114,10 +1115,10 @@
         <a:lstStyle/>
         <a:p>
           <a:r>
-            <a:rPr lang="en-US"/>
+            <a:rPr lang="en-US" dirty="0"/>
             <a:t>Gaussian elimination calculation of the matrix (upper triangular matrix)</a:t>
           </a:r>
-          <a:endParaRPr lang="en-IL"/>
+          <a:endParaRPr lang="en-IL" dirty="0"/>
         </a:p>
       </dgm:t>
     </dgm:pt>
@@ -1225,10 +1226,10 @@
         <a:lstStyle/>
         <a:p>
           <a:r>
-            <a:rPr lang="en-US"/>
+            <a:rPr lang="en-US" dirty="0"/>
             <a:t>Gaussian elimination calculation of the matrix (upper triangular matrix)</a:t>
           </a:r>
-          <a:endParaRPr lang="en-IL"/>
+          <a:endParaRPr lang="en-IL" dirty="0"/>
         </a:p>
       </dgm:t>
     </dgm:pt>
@@ -1262,10 +1263,10 @@
         <a:lstStyle/>
         <a:p>
           <a:r>
-            <a:rPr lang="en-US"/>
+            <a:rPr lang="en-US" dirty="0"/>
             <a:t>Counting the number of non-zero rows.</a:t>
           </a:r>
-          <a:endParaRPr lang="en-IL"/>
+          <a:endParaRPr lang="en-IL" dirty="0"/>
         </a:p>
       </dgm:t>
     </dgm:pt>
@@ -1336,10 +1337,10 @@
         <a:lstStyle/>
         <a:p>
           <a:r>
-            <a:rPr lang="en-US"/>
-            <a:t>Create an augmented matrix with the left side representing the matrix to invert and the right side representing the identity matrix.</a:t>
+            <a:rPr lang="en-US" dirty="0"/>
+            <a:t>Use Gaussian elimination operations to transform the Input matrix into the identity matrix.</a:t>
           </a:r>
-          <a:endParaRPr lang="en-IL"/>
+          <a:endParaRPr lang="en-IL" dirty="0"/>
         </a:p>
       </dgm:t>
     </dgm:pt>
@@ -1355,80 +1356,6 @@
       </dgm:t>
     </dgm:pt>
     <dgm:pt modelId="{3D305B86-813C-4105-9744-7364DCC84762}" type="sibTrans" cxnId="{89778E96-ADD9-449F-882F-46EC7977BD12}">
-      <dgm:prSet/>
-      <dgm:spPr/>
-      <dgm:t>
-        <a:bodyPr/>
-        <a:lstStyle/>
-        <a:p>
-          <a:endParaRPr lang="en-IL"/>
-        </a:p>
-      </dgm:t>
-    </dgm:pt>
-    <dgm:pt modelId="{0226E9F9-DF1F-4F8B-92FC-C4FF82AAB33A}">
-      <dgm:prSet/>
-      <dgm:spPr/>
-      <dgm:t>
-        <a:bodyPr/>
-        <a:lstStyle/>
-        <a:p>
-          <a:r>
-            <a:rPr lang="en-US"/>
-            <a:t>Use Gaussian elimination to transform the left side of the augmented matrix into the identity matrix.</a:t>
-          </a:r>
-          <a:endParaRPr lang="en-IL"/>
-        </a:p>
-      </dgm:t>
-    </dgm:pt>
-    <dgm:pt modelId="{FD713774-3128-45C6-AC31-C29EFD769CE6}" type="parTrans" cxnId="{A8A2B9ED-85C9-40B9-952F-AB154E903BFD}">
-      <dgm:prSet/>
-      <dgm:spPr/>
-      <dgm:t>
-        <a:bodyPr/>
-        <a:lstStyle/>
-        <a:p>
-          <a:endParaRPr lang="en-IL"/>
-        </a:p>
-      </dgm:t>
-    </dgm:pt>
-    <dgm:pt modelId="{FD862A7C-128E-433D-84E3-BC78E379B865}" type="sibTrans" cxnId="{A8A2B9ED-85C9-40B9-952F-AB154E903BFD}">
-      <dgm:prSet/>
-      <dgm:spPr/>
-      <dgm:t>
-        <a:bodyPr/>
-        <a:lstStyle/>
-        <a:p>
-          <a:endParaRPr lang="en-IL"/>
-        </a:p>
-      </dgm:t>
-    </dgm:pt>
-    <dgm:pt modelId="{A51FC9FC-05C7-49DF-9430-CAB14474243D}">
-      <dgm:prSet/>
-      <dgm:spPr/>
-      <dgm:t>
-        <a:bodyPr/>
-        <a:lstStyle/>
-        <a:p>
-          <a:r>
-            <a:rPr lang="en-US"/>
-            <a:t>As a result of Gaussian elimination, the right side of the augmented matrix becomes the inverse of the input matrix.</a:t>
-          </a:r>
-          <a:endParaRPr lang="en-IL"/>
-        </a:p>
-      </dgm:t>
-    </dgm:pt>
-    <dgm:pt modelId="{89AE169C-8CB2-42E6-A57E-D5BD7D6E7011}" type="parTrans" cxnId="{E4DBFD9F-D560-4FBF-96D0-F6E7A48861B4}">
-      <dgm:prSet/>
-      <dgm:spPr/>
-      <dgm:t>
-        <a:bodyPr/>
-        <a:lstStyle/>
-        <a:p>
-          <a:endParaRPr lang="en-IL"/>
-        </a:p>
-      </dgm:t>
-    </dgm:pt>
-    <dgm:pt modelId="{B801612B-9528-49F4-BC14-2ACDEB6DEFAB}" type="sibTrans" cxnId="{E4DBFD9F-D560-4FBF-96D0-F6E7A48861B4}">
       <dgm:prSet/>
       <dgm:spPr/>
       <dgm:t>
@@ -1466,6 +1393,43 @@
       </dgm:t>
     </dgm:pt>
     <dgm:pt modelId="{119F4F95-8AD2-4FC7-A09D-978DBB08D7DE}" type="parTrans" cxnId="{96F70FC3-CEB0-402A-9396-B6AFB1D53EA0}">
+      <dgm:prSet/>
+      <dgm:spPr/>
+      <dgm:t>
+        <a:bodyPr/>
+        <a:lstStyle/>
+        <a:p>
+          <a:endParaRPr lang="en-IL"/>
+        </a:p>
+      </dgm:t>
+    </dgm:pt>
+    <dgm:pt modelId="{08FAC914-E57C-48FD-8F37-87D847408208}">
+      <dgm:prSet/>
+      <dgm:spPr/>
+      <dgm:t>
+        <a:bodyPr/>
+        <a:lstStyle/>
+        <a:p>
+          <a:r>
+            <a:rPr lang="en-US" dirty="0"/>
+            <a:t>Apply the Gaussian elimination operations on to an identity matrix to the input inverse matrix.</a:t>
+          </a:r>
+          <a:endParaRPr lang="en-IL" dirty="0"/>
+        </a:p>
+      </dgm:t>
+    </dgm:pt>
+    <dgm:pt modelId="{43FE4828-7175-4B65-A548-30954E4D59E4}" type="parTrans" cxnId="{181BF3C8-8D8E-4F69-9F72-128B8627BA2B}">
+      <dgm:prSet/>
+      <dgm:spPr/>
+      <dgm:t>
+        <a:bodyPr/>
+        <a:lstStyle/>
+        <a:p>
+          <a:endParaRPr lang="en-IL"/>
+        </a:p>
+      </dgm:t>
+    </dgm:pt>
+    <dgm:pt modelId="{D855300A-C33E-4923-AD21-159536B21858}" type="sibTrans" cxnId="{181BF3C8-8D8E-4F69-9F72-128B8627BA2B}">
       <dgm:prSet/>
       <dgm:spPr/>
       <dgm:t>
@@ -1563,6 +1527,7 @@
   </dgm:ptLst>
   <dgm:cxnLst>
     <dgm:cxn modelId="{BA636F10-A388-44F9-B7C9-68D68EAB3675}" type="presOf" srcId="{A3170B1F-163E-48AA-BF30-E560F6CAD691}" destId="{0A0FE53B-C5FF-43E0-A19A-CBCDC8D8E9C1}" srcOrd="0" destOrd="1" presId="urn:microsoft.com/office/officeart/2005/8/layout/hList1"/>
+    <dgm:cxn modelId="{13AD1D13-6509-45B0-8378-834A6F871E73}" type="presOf" srcId="{08FAC914-E57C-48FD-8F37-87D847408208}" destId="{3BA539AA-6E9E-4D8D-BB7C-D54697ABECF2}" srcOrd="0" destOrd="1" presId="urn:microsoft.com/office/officeart/2005/8/layout/hList1"/>
     <dgm:cxn modelId="{7ECA7A16-2E99-4A8B-AAB6-D7A56C8EDF4D}" type="presOf" srcId="{FC0C4250-7CA0-4889-ABD5-D8548A367E31}" destId="{A56D5EBE-A80F-4C45-82C3-FD2DC6F3DD7A}" srcOrd="0" destOrd="0" presId="urn:microsoft.com/office/officeart/2005/8/layout/hList1"/>
     <dgm:cxn modelId="{E8899530-365B-4476-8719-CA1EB6D4186E}" type="presOf" srcId="{FDA1299C-7586-4598-AAEA-22BF01DCB9AF}" destId="{3BA539AA-6E9E-4D8D-BB7C-D54697ABECF2}" srcOrd="0" destOrd="0" presId="urn:microsoft.com/office/officeart/2005/8/layout/hList1"/>
     <dgm:cxn modelId="{65B1E234-8924-497D-83B9-EAF80BB5DE63}" type="presOf" srcId="{16D59016-BF4E-477E-8860-9EC9B60917AD}" destId="{09CE5913-4E09-4C18-9202-93196ADFEB34}" srcOrd="0" destOrd="0" presId="urn:microsoft.com/office/officeart/2005/8/layout/hList1"/>
@@ -1573,14 +1538,11 @@
     <dgm:cxn modelId="{CA172487-6D06-4799-A005-2AC28250A825}" srcId="{16D59016-BF4E-477E-8860-9EC9B60917AD}" destId="{B5742F70-797C-4A11-8BE9-13F1C940910F}" srcOrd="0" destOrd="0" parTransId="{DCD7DD89-B870-4924-A9AA-79296249BA4C}" sibTransId="{7FB3315F-5FAE-4FB5-9E52-F3A30BD8E433}"/>
     <dgm:cxn modelId="{0C381295-728E-4F98-8D83-26235C46621B}" srcId="{F86DA156-37A0-4F22-82A0-9B58A11D287C}" destId="{FC0C4250-7CA0-4889-ABD5-D8548A367E31}" srcOrd="0" destOrd="0" parTransId="{7F9DDB8F-1A3D-4B21-B910-DB6DF19BAFA0}" sibTransId="{F6A743D3-4F70-4B01-BA4F-F1FB9DECA9B5}"/>
     <dgm:cxn modelId="{89778E96-ADD9-449F-882F-46EC7977BD12}" srcId="{0D27228B-5B5B-49A1-9B2B-9FEFD3563AD5}" destId="{FDA1299C-7586-4598-AAEA-22BF01DCB9AF}" srcOrd="0" destOrd="0" parTransId="{CDB91E81-23CA-4E4C-8AC6-03D029D9090E}" sibTransId="{3D305B86-813C-4105-9744-7364DCC84762}"/>
-    <dgm:cxn modelId="{E4DBFD9F-D560-4FBF-96D0-F6E7A48861B4}" srcId="{0D27228B-5B5B-49A1-9B2B-9FEFD3563AD5}" destId="{A51FC9FC-05C7-49DF-9430-CAB14474243D}" srcOrd="2" destOrd="0" parTransId="{89AE169C-8CB2-42E6-A57E-D5BD7D6E7011}" sibTransId="{B801612B-9528-49F4-BC14-2ACDEB6DEFAB}"/>
-    <dgm:cxn modelId="{9E0169B5-BA05-422A-BF91-570B36C567F1}" type="presOf" srcId="{A51FC9FC-05C7-49DF-9430-CAB14474243D}" destId="{3BA539AA-6E9E-4D8D-BB7C-D54697ABECF2}" srcOrd="0" destOrd="2" presId="urn:microsoft.com/office/officeart/2005/8/layout/hList1"/>
     <dgm:cxn modelId="{7FBDA1B5-12AC-45BF-B61B-6022D170D220}" type="presOf" srcId="{12BB098B-C3DB-4DFC-8A80-3BBF332301B3}" destId="{A9B6C4CF-2FBC-4AC9-8468-4B1613C06608}" srcOrd="0" destOrd="0" presId="urn:microsoft.com/office/officeart/2005/8/layout/hList1"/>
     <dgm:cxn modelId="{96F70FC3-CEB0-402A-9396-B6AFB1D53EA0}" srcId="{12BB098B-C3DB-4DFC-8A80-3BBF332301B3}" destId="{16D59016-BF4E-477E-8860-9EC9B60917AD}" srcOrd="0" destOrd="0" parTransId="{119F4F95-8AD2-4FC7-A09D-978DBB08D7DE}" sibTransId="{D78FE760-33B4-4C52-BD71-D89E66B1C201}"/>
     <dgm:cxn modelId="{59AFABC6-B172-421E-BC4A-0F6780488C33}" type="presOf" srcId="{953C7222-8DE8-44D7-ADAA-0EB3E89A0ABC}" destId="{A56D5EBE-A80F-4C45-82C3-FD2DC6F3DD7A}" srcOrd="0" destOrd="1" presId="urn:microsoft.com/office/officeart/2005/8/layout/hList1"/>
-    <dgm:cxn modelId="{A141E7D3-CB18-4A63-9663-993ECFC98641}" type="presOf" srcId="{0226E9F9-DF1F-4F8B-92FC-C4FF82AAB33A}" destId="{3BA539AA-6E9E-4D8D-BB7C-D54697ABECF2}" srcOrd="0" destOrd="1" presId="urn:microsoft.com/office/officeart/2005/8/layout/hList1"/>
+    <dgm:cxn modelId="{181BF3C8-8D8E-4F69-9F72-128B8627BA2B}" srcId="{0D27228B-5B5B-49A1-9B2B-9FEFD3563AD5}" destId="{08FAC914-E57C-48FD-8F37-87D847408208}" srcOrd="1" destOrd="0" parTransId="{43FE4828-7175-4B65-A548-30954E4D59E4}" sibTransId="{D855300A-C33E-4923-AD21-159536B21858}"/>
     <dgm:cxn modelId="{F6CD1FE4-1341-4D50-B9B8-F725DBC65305}" type="presOf" srcId="{F86DA156-37A0-4F22-82A0-9B58A11D287C}" destId="{59EBAF4F-05B1-4336-88D2-B6F2A07A6447}" srcOrd="0" destOrd="0" presId="urn:microsoft.com/office/officeart/2005/8/layout/hList1"/>
-    <dgm:cxn modelId="{A8A2B9ED-85C9-40B9-952F-AB154E903BFD}" srcId="{0D27228B-5B5B-49A1-9B2B-9FEFD3563AD5}" destId="{0226E9F9-DF1F-4F8B-92FC-C4FF82AAB33A}" srcOrd="1" destOrd="0" parTransId="{FD713774-3128-45C6-AC31-C29EFD769CE6}" sibTransId="{FD862A7C-128E-433D-84E3-BC78E379B865}"/>
     <dgm:cxn modelId="{7B24B8F8-2CAC-4689-8B8D-FA8BE51BC992}" srcId="{12BB098B-C3DB-4DFC-8A80-3BBF332301B3}" destId="{F86DA156-37A0-4F22-82A0-9B58A11D287C}" srcOrd="1" destOrd="0" parTransId="{A29227FC-9D38-43E1-AB88-D79E202A2A26}" sibTransId="{654D09E0-82C9-4BCA-B96B-C689173503A2}"/>
     <dgm:cxn modelId="{9336C5FF-7EF6-4FF8-914C-867D6A5CFCE9}" type="presOf" srcId="{0D27228B-5B5B-49A1-9B2B-9FEFD3563AD5}" destId="{B20E9871-54BB-4241-B97E-27622030498B}" srcOrd="0" destOrd="0" presId="urn:microsoft.com/office/officeart/2005/8/layout/hList1"/>
     <dgm:cxn modelId="{F3BA8D82-1B51-495E-9404-712794ED615F}" type="presParOf" srcId="{A9B6C4CF-2FBC-4AC9-8468-4B1613C06608}" destId="{02643B92-F822-44E1-A97D-6846FBA45924}" srcOrd="0" destOrd="0" presId="urn:microsoft.com/office/officeart/2005/8/layout/hList1"/>
@@ -1620,8 +1582,8 @@
       </dsp:nvSpPr>
       <dsp:spPr>
         <a:xfrm>
-          <a:off x="3429" y="166347"/>
-          <a:ext cx="3343274" cy="518400"/>
+          <a:off x="3429" y="175701"/>
+          <a:ext cx="3343274" cy="788945"/>
         </a:xfrm>
         <a:prstGeom prst="rect">
           <a:avLst/>
@@ -1662,12 +1624,12 @@
         </a:fontRef>
       </dsp:style>
       <dsp:txBody>
-        <a:bodyPr spcFirstLastPara="0" vert="horz" wrap="square" lIns="128016" tIns="73152" rIns="128016" bIns="73152" numCol="1" spcCol="1270" anchor="ctr" anchorCtr="0">
+        <a:bodyPr spcFirstLastPara="0" vert="horz" wrap="square" lIns="163576" tIns="93472" rIns="163576" bIns="93472" numCol="1" spcCol="1270" anchor="ctr" anchorCtr="0">
           <a:noAutofit/>
         </a:bodyPr>
         <a:lstStyle/>
         <a:p>
-          <a:pPr marL="0" lvl="0" indent="0" algn="ctr" defTabSz="800100">
+          <a:pPr marL="0" lvl="0" indent="0" algn="ctr" defTabSz="1022350">
             <a:lnSpc>
               <a:spcPct val="90000"/>
             </a:lnSpc>
@@ -1680,15 +1642,15 @@
             <a:buNone/>
           </a:pPr>
           <a:r>
-            <a:rPr lang="en-US" sz="1800" kern="1200"/>
+            <a:rPr lang="en-US" sz="2300" kern="1200"/>
             <a:t>Determinant Calculation :</a:t>
           </a:r>
-          <a:endParaRPr lang="en-IL" sz="1800" kern="1200"/>
+          <a:endParaRPr lang="en-IL" sz="2300" kern="1200"/>
         </a:p>
       </dsp:txBody>
       <dsp:txXfrm>
-        <a:off x="3429" y="166347"/>
-        <a:ext cx="3343274" cy="518400"/>
+        <a:off x="3429" y="175701"/>
+        <a:ext cx="3343274" cy="788945"/>
       </dsp:txXfrm>
     </dsp:sp>
     <dsp:sp modelId="{0A0FE53B-C5FF-43E0-A19A-CBCDC8D8E9C1}">
@@ -1698,8 +1660,8 @@
       </dsp:nvSpPr>
       <dsp:spPr>
         <a:xfrm>
-          <a:off x="3429" y="684747"/>
-          <a:ext cx="3343274" cy="3674868"/>
+          <a:off x="3429" y="964647"/>
+          <a:ext cx="3343274" cy="3385614"/>
         </a:xfrm>
         <a:prstGeom prst="rect">
           <a:avLst/>
@@ -1742,12 +1704,12 @@
         <a:fontRef idx="minor"/>
       </dsp:style>
       <dsp:txBody>
-        <a:bodyPr spcFirstLastPara="0" vert="horz" wrap="square" lIns="96012" tIns="96012" rIns="128016" bIns="144018" numCol="1" spcCol="1270" anchor="t" anchorCtr="0">
+        <a:bodyPr spcFirstLastPara="0" vert="horz" wrap="square" lIns="122682" tIns="122682" rIns="163576" bIns="184023" numCol="1" spcCol="1270" anchor="t" anchorCtr="0">
           <a:noAutofit/>
         </a:bodyPr>
         <a:lstStyle/>
         <a:p>
-          <a:pPr marL="171450" lvl="1" indent="-171450" algn="l" defTabSz="800100">
+          <a:pPr marL="228600" lvl="1" indent="-228600" algn="l" defTabSz="1022350">
             <a:lnSpc>
               <a:spcPct val="90000"/>
             </a:lnSpc>
@@ -1760,13 +1722,13 @@
             <a:buChar char="•"/>
           </a:pPr>
           <a:r>
-            <a:rPr lang="en-US" sz="1800" kern="1200"/>
+            <a:rPr lang="en-US" sz="2300" kern="1200" dirty="0"/>
             <a:t>Gaussian elimination calculation of the matrix (upper triangular matrix)</a:t>
           </a:r>
-          <a:endParaRPr lang="en-IL" sz="1800" kern="1200"/>
+          <a:endParaRPr lang="en-IL" sz="2300" kern="1200" dirty="0"/>
         </a:p>
         <a:p>
-          <a:pPr marL="171450" lvl="1" indent="-171450" algn="l" defTabSz="800100">
+          <a:pPr marL="228600" lvl="1" indent="-228600" algn="l" defTabSz="1022350">
             <a:lnSpc>
               <a:spcPct val="90000"/>
             </a:lnSpc>
@@ -1779,15 +1741,15 @@
             <a:buChar char="•"/>
           </a:pPr>
           <a:r>
-            <a:rPr lang="en-US" sz="1800" kern="1200" dirty="0"/>
+            <a:rPr lang="en-US" sz="2300" kern="1200" dirty="0"/>
             <a:t>The determinant is the product of the diagonal elements</a:t>
           </a:r>
-          <a:endParaRPr lang="en-IL" sz="1800" kern="1200" dirty="0"/>
+          <a:endParaRPr lang="en-IL" sz="2300" kern="1200" dirty="0"/>
         </a:p>
       </dsp:txBody>
       <dsp:txXfrm>
-        <a:off x="3429" y="684747"/>
-        <a:ext cx="3343274" cy="3674868"/>
+        <a:off x="3429" y="964647"/>
+        <a:ext cx="3343274" cy="3385614"/>
       </dsp:txXfrm>
     </dsp:sp>
     <dsp:sp modelId="{59EBAF4F-05B1-4336-88D2-B6F2A07A6447}">
@@ -1797,8 +1759,8 @@
       </dsp:nvSpPr>
       <dsp:spPr>
         <a:xfrm>
-          <a:off x="3814762" y="166347"/>
-          <a:ext cx="3343274" cy="518400"/>
+          <a:off x="3814762" y="175701"/>
+          <a:ext cx="3343274" cy="788945"/>
         </a:xfrm>
         <a:prstGeom prst="rect">
           <a:avLst/>
@@ -1839,12 +1801,12 @@
         </a:fontRef>
       </dsp:style>
       <dsp:txBody>
-        <a:bodyPr spcFirstLastPara="0" vert="horz" wrap="square" lIns="128016" tIns="73152" rIns="128016" bIns="73152" numCol="1" spcCol="1270" anchor="ctr" anchorCtr="0">
+        <a:bodyPr spcFirstLastPara="0" vert="horz" wrap="square" lIns="163576" tIns="93472" rIns="163576" bIns="93472" numCol="1" spcCol="1270" anchor="ctr" anchorCtr="0">
           <a:noAutofit/>
         </a:bodyPr>
         <a:lstStyle/>
         <a:p>
-          <a:pPr marL="0" lvl="0" indent="0" algn="ctr" defTabSz="800100">
+          <a:pPr marL="0" lvl="0" indent="0" algn="ctr" defTabSz="1022350">
             <a:lnSpc>
               <a:spcPct val="90000"/>
             </a:lnSpc>
@@ -1857,15 +1819,15 @@
             <a:buNone/>
           </a:pPr>
           <a:r>
-            <a:rPr lang="en-US" sz="1800" kern="1200"/>
+            <a:rPr lang="en-US" sz="2300" kern="1200"/>
             <a:t>Rank Calculation :</a:t>
           </a:r>
-          <a:endParaRPr lang="en-IL" sz="1800" kern="1200"/>
+          <a:endParaRPr lang="en-IL" sz="2300" kern="1200"/>
         </a:p>
       </dsp:txBody>
       <dsp:txXfrm>
-        <a:off x="3814762" y="166347"/>
-        <a:ext cx="3343274" cy="518400"/>
+        <a:off x="3814762" y="175701"/>
+        <a:ext cx="3343274" cy="788945"/>
       </dsp:txXfrm>
     </dsp:sp>
     <dsp:sp modelId="{A56D5EBE-A80F-4C45-82C3-FD2DC6F3DD7A}">
@@ -1875,8 +1837,8 @@
       </dsp:nvSpPr>
       <dsp:spPr>
         <a:xfrm>
-          <a:off x="3814762" y="684747"/>
-          <a:ext cx="3343274" cy="3674868"/>
+          <a:off x="3814762" y="964647"/>
+          <a:ext cx="3343274" cy="3385614"/>
         </a:xfrm>
         <a:prstGeom prst="rect">
           <a:avLst/>
@@ -1919,12 +1881,12 @@
         <a:fontRef idx="minor"/>
       </dsp:style>
       <dsp:txBody>
-        <a:bodyPr spcFirstLastPara="0" vert="horz" wrap="square" lIns="96012" tIns="96012" rIns="128016" bIns="144018" numCol="1" spcCol="1270" anchor="t" anchorCtr="0">
+        <a:bodyPr spcFirstLastPara="0" vert="horz" wrap="square" lIns="122682" tIns="122682" rIns="163576" bIns="184023" numCol="1" spcCol="1270" anchor="t" anchorCtr="0">
           <a:noAutofit/>
         </a:bodyPr>
         <a:lstStyle/>
         <a:p>
-          <a:pPr marL="171450" lvl="1" indent="-171450" algn="l" defTabSz="800100">
+          <a:pPr marL="228600" lvl="1" indent="-228600" algn="l" defTabSz="1022350">
             <a:lnSpc>
               <a:spcPct val="90000"/>
             </a:lnSpc>
@@ -1937,13 +1899,13 @@
             <a:buChar char="•"/>
           </a:pPr>
           <a:r>
-            <a:rPr lang="en-US" sz="1800" kern="1200"/>
+            <a:rPr lang="en-US" sz="2300" kern="1200" dirty="0"/>
             <a:t>Gaussian elimination calculation of the matrix (upper triangular matrix)</a:t>
           </a:r>
-          <a:endParaRPr lang="en-IL" sz="1800" kern="1200"/>
+          <a:endParaRPr lang="en-IL" sz="2300" kern="1200" dirty="0"/>
         </a:p>
         <a:p>
-          <a:pPr marL="171450" lvl="1" indent="-171450" algn="l" defTabSz="800100">
+          <a:pPr marL="228600" lvl="1" indent="-228600" algn="l" defTabSz="1022350">
             <a:lnSpc>
               <a:spcPct val="90000"/>
             </a:lnSpc>
@@ -1956,15 +1918,15 @@
             <a:buChar char="•"/>
           </a:pPr>
           <a:r>
-            <a:rPr lang="en-US" sz="1800" kern="1200"/>
+            <a:rPr lang="en-US" sz="2300" kern="1200" dirty="0"/>
             <a:t>Counting the number of non-zero rows.</a:t>
           </a:r>
-          <a:endParaRPr lang="en-IL" sz="1800" kern="1200"/>
+          <a:endParaRPr lang="en-IL" sz="2300" kern="1200" dirty="0"/>
         </a:p>
       </dsp:txBody>
       <dsp:txXfrm>
-        <a:off x="3814762" y="684747"/>
-        <a:ext cx="3343274" cy="3674868"/>
+        <a:off x="3814762" y="964647"/>
+        <a:ext cx="3343274" cy="3385614"/>
       </dsp:txXfrm>
     </dsp:sp>
     <dsp:sp modelId="{B20E9871-54BB-4241-B97E-27622030498B}">
@@ -1974,8 +1936,8 @@
       </dsp:nvSpPr>
       <dsp:spPr>
         <a:xfrm>
-          <a:off x="7626096" y="166347"/>
-          <a:ext cx="3343274" cy="518400"/>
+          <a:off x="7626096" y="175701"/>
+          <a:ext cx="3343274" cy="788945"/>
         </a:xfrm>
         <a:prstGeom prst="rect">
           <a:avLst/>
@@ -2016,12 +1978,12 @@
         </a:fontRef>
       </dsp:style>
       <dsp:txBody>
-        <a:bodyPr spcFirstLastPara="0" vert="horz" wrap="square" lIns="128016" tIns="73152" rIns="128016" bIns="73152" numCol="1" spcCol="1270" anchor="ctr" anchorCtr="0">
+        <a:bodyPr spcFirstLastPara="0" vert="horz" wrap="square" lIns="163576" tIns="93472" rIns="163576" bIns="93472" numCol="1" spcCol="1270" anchor="ctr" anchorCtr="0">
           <a:noAutofit/>
         </a:bodyPr>
         <a:lstStyle/>
         <a:p>
-          <a:pPr marL="0" lvl="0" indent="0" algn="ctr" defTabSz="800100">
+          <a:pPr marL="0" lvl="0" indent="0" algn="ctr" defTabSz="1022350">
             <a:lnSpc>
               <a:spcPct val="90000"/>
             </a:lnSpc>
@@ -2034,15 +1996,15 @@
             <a:buNone/>
           </a:pPr>
           <a:r>
-            <a:rPr lang="en-US" sz="1800" kern="1200" dirty="0"/>
+            <a:rPr lang="en-US" sz="2300" kern="1200" dirty="0"/>
             <a:t>Inverse Matrix Calculation:</a:t>
           </a:r>
-          <a:endParaRPr lang="en-IL" sz="1800" kern="1200" dirty="0"/>
+          <a:endParaRPr lang="en-IL" sz="2300" kern="1200" dirty="0"/>
         </a:p>
       </dsp:txBody>
       <dsp:txXfrm>
-        <a:off x="7626096" y="166347"/>
-        <a:ext cx="3343274" cy="518400"/>
+        <a:off x="7626096" y="175701"/>
+        <a:ext cx="3343274" cy="788945"/>
       </dsp:txXfrm>
     </dsp:sp>
     <dsp:sp modelId="{3BA539AA-6E9E-4D8D-BB7C-D54697ABECF2}">
@@ -2052,8 +2014,8 @@
       </dsp:nvSpPr>
       <dsp:spPr>
         <a:xfrm>
-          <a:off x="7626096" y="684747"/>
-          <a:ext cx="3343274" cy="3674868"/>
+          <a:off x="7626096" y="964647"/>
+          <a:ext cx="3343274" cy="3385614"/>
         </a:xfrm>
         <a:prstGeom prst="rect">
           <a:avLst/>
@@ -2096,12 +2058,12 @@
         <a:fontRef idx="minor"/>
       </dsp:style>
       <dsp:txBody>
-        <a:bodyPr spcFirstLastPara="0" vert="horz" wrap="square" lIns="96012" tIns="96012" rIns="128016" bIns="144018" numCol="1" spcCol="1270" anchor="t" anchorCtr="0">
+        <a:bodyPr spcFirstLastPara="0" vert="horz" wrap="square" lIns="122682" tIns="122682" rIns="163576" bIns="184023" numCol="1" spcCol="1270" anchor="t" anchorCtr="0">
           <a:noAutofit/>
         </a:bodyPr>
         <a:lstStyle/>
         <a:p>
-          <a:pPr marL="171450" lvl="1" indent="-171450" algn="l" defTabSz="800100">
+          <a:pPr marL="228600" lvl="1" indent="-228600" algn="l" defTabSz="1022350">
             <a:lnSpc>
               <a:spcPct val="90000"/>
             </a:lnSpc>
@@ -2114,13 +2076,13 @@
             <a:buChar char="•"/>
           </a:pPr>
           <a:r>
-            <a:rPr lang="en-US" sz="1800" kern="1200"/>
-            <a:t>Create an augmented matrix with the left side representing the matrix to invert and the right side representing the identity matrix.</a:t>
+            <a:rPr lang="en-US" sz="2300" kern="1200" dirty="0"/>
+            <a:t>Use Gaussian elimination operations to transform the Input matrix into the identity matrix.</a:t>
           </a:r>
-          <a:endParaRPr lang="en-IL" sz="1800" kern="1200"/>
+          <a:endParaRPr lang="en-IL" sz="2300" kern="1200" dirty="0"/>
         </a:p>
         <a:p>
-          <a:pPr marL="171450" lvl="1" indent="-171450" algn="l" defTabSz="800100">
+          <a:pPr marL="228600" lvl="1" indent="-228600" algn="l" defTabSz="1022350">
             <a:lnSpc>
               <a:spcPct val="90000"/>
             </a:lnSpc>
@@ -2133,34 +2095,15 @@
             <a:buChar char="•"/>
           </a:pPr>
           <a:r>
-            <a:rPr lang="en-US" sz="1800" kern="1200"/>
-            <a:t>Use Gaussian elimination to transform the left side of the augmented matrix into the identity matrix.</a:t>
+            <a:rPr lang="en-US" sz="2300" kern="1200" dirty="0"/>
+            <a:t>Apply the Gaussian elimination operations on to an identity matrix to the input inverse matrix.</a:t>
           </a:r>
-          <a:endParaRPr lang="en-IL" sz="1800" kern="1200"/>
-        </a:p>
-        <a:p>
-          <a:pPr marL="171450" lvl="1" indent="-171450" algn="l" defTabSz="800100">
-            <a:lnSpc>
-              <a:spcPct val="90000"/>
-            </a:lnSpc>
-            <a:spcBef>
-              <a:spcPct val="0"/>
-            </a:spcBef>
-            <a:spcAft>
-              <a:spcPct val="15000"/>
-            </a:spcAft>
-            <a:buChar char="•"/>
-          </a:pPr>
-          <a:r>
-            <a:rPr lang="en-US" sz="1800" kern="1200"/>
-            <a:t>As a result of Gaussian elimination, the right side of the augmented matrix becomes the inverse of the input matrix.</a:t>
-          </a:r>
-          <a:endParaRPr lang="en-IL" sz="1800" kern="1200"/>
+          <a:endParaRPr lang="en-IL" sz="2300" kern="1200" dirty="0"/>
         </a:p>
       </dsp:txBody>
       <dsp:txXfrm>
-        <a:off x="7626096" y="684747"/>
-        <a:ext cx="3343274" cy="3674868"/>
+        <a:off x="7626096" y="964647"/>
+        <a:ext cx="3343274" cy="3385614"/>
       </dsp:txXfrm>
     </dsp:sp>
   </dsp:spTree>
@@ -3510,7 +3453,7 @@
                 <a:cs typeface="Tahoma" panose="020B0604030504040204" pitchFamily="34" charset="0"/>
                 <a:sym typeface="Tahoma" panose="020B0604030504040204" pitchFamily="34" charset="0"/>
               </a:rPr>
-              <a:t>ו'/אדר ב/תשפ"ד</a:t>
+              <a:t>ז'/אדר ב/תשפ"ד</a:t>
             </a:fld>
             <a:endParaRPr lang="he-IL" dirty="0">
               <a:latin typeface="Tahoma" panose="020B0604030504040204" pitchFamily="34" charset="0"/>
@@ -3704,7 +3647,7 @@
             <a:fld id="{C2702391-E873-4A7E-A308-344BCFC2CC80}" type="datetime1">
               <a:rPr lang="he-IL" smtClean="0"/>
               <a:pPr/>
-              <a:t>ו'/אדר ב/תשפ"ד</a:t>
+              <a:t>ז'/אדר ב/תשפ"ד</a:t>
             </a:fld>
             <a:endParaRPr lang="he-IL" dirty="0"/>
           </a:p>
@@ -5023,7 +4966,7 @@
             <a:fld id="{4FB317A2-3902-47FF-B6D1-9CC7F4BB6C92}" type="datetime1">
               <a:rPr lang="he-IL" smtClean="0"/>
               <a:pPr/>
-              <a:t>ו'/אדר ב/תשפ"ד</a:t>
+              <a:t>ז'/אדר ב/תשפ"ד</a:t>
             </a:fld>
             <a:endParaRPr lang="he-IL" dirty="0"/>
           </a:p>
@@ -5371,7 +5314,7 @@
             <a:fld id="{E7FEDE04-03A1-41E2-91FA-2D8FD00241C6}" type="datetime1">
               <a:rPr lang="he-IL" smtClean="0"/>
               <a:pPr/>
-              <a:t>ו'/אדר ב/תשפ"ד</a:t>
+              <a:t>ז'/אדר ב/תשפ"ד</a:t>
             </a:fld>
             <a:endParaRPr lang="he-IL" dirty="0"/>
           </a:p>
@@ -5569,7 +5512,7 @@
             <a:fld id="{7E3ABDC3-C5FD-491D-85D8-880A4C173640}" type="datetime1">
               <a:rPr lang="he-IL" smtClean="0"/>
               <a:pPr/>
-              <a:t>ו'/אדר ב/תשפ"ד</a:t>
+              <a:t>ז'/אדר ב/תשפ"ד</a:t>
             </a:fld>
             <a:endParaRPr lang="he-IL" dirty="0"/>
           </a:p>
@@ -5966,7 +5909,7 @@
             <a:fld id="{D277494B-FA8F-4F98-A48A-C14572D62CA6}" type="datetime1">
               <a:rPr lang="he-IL" smtClean="0"/>
               <a:pPr/>
-              <a:t>ו'/אדר ב/תשפ"ד</a:t>
+              <a:t>ז'/אדר ב/תשפ"ד</a:t>
             </a:fld>
             <a:endParaRPr lang="he-IL" dirty="0"/>
           </a:p>
@@ -6144,7 +6087,7 @@
             <a:fld id="{B93389A6-63C6-4CC7-AA45-37E5AB902F34}" type="datetime1">
               <a:rPr lang="he-IL" smtClean="0"/>
               <a:pPr/>
-              <a:t>ו'/אדר ב/תשפ"ד</a:t>
+              <a:t>ז'/אדר ב/תשפ"ד</a:t>
             </a:fld>
             <a:endParaRPr lang="he-IL" dirty="0"/>
           </a:p>
@@ -6439,7 +6382,7 @@
             <a:fld id="{02AF7E7A-41EB-4DDF-BFCC-E5AF1D0ECF25}" type="datetime1">
               <a:rPr lang="he-IL" smtClean="0"/>
               <a:pPr/>
-              <a:t>ו'/אדר ב/תשפ"ד</a:t>
+              <a:t>ז'/אדר ב/תשפ"ד</a:t>
             </a:fld>
             <a:endParaRPr lang="he-IL" dirty="0"/>
           </a:p>
@@ -6851,7 +6794,7 @@
             <a:fld id="{1313357E-9285-4D6A-9616-73A160DDA2E2}" type="datetime1">
               <a:rPr lang="he-IL" smtClean="0"/>
               <a:pPr/>
-              <a:t>ו'/אדר ב/תשפ"ד</a:t>
+              <a:t>ז'/אדר ב/תשפ"ד</a:t>
             </a:fld>
             <a:endParaRPr lang="he-IL" dirty="0"/>
           </a:p>
@@ -7335,7 +7278,7 @@
             <a:fld id="{1313357E-9285-4D6A-9616-73A160DDA2E2}" type="datetime1">
               <a:rPr lang="he-IL" smtClean="0"/>
               <a:pPr/>
-              <a:t>ו'/אדר ב/תשפ"ד</a:t>
+              <a:t>ז'/אדר ב/תשפ"ד</a:t>
             </a:fld>
             <a:endParaRPr lang="he-IL" dirty="0"/>
           </a:p>
@@ -7460,7 +7403,7 @@
             <a:fld id="{87DE4656-E110-486C-B114-A70F9A228F30}" type="datetime1">
               <a:rPr lang="he-IL" smtClean="0"/>
               <a:pPr/>
-              <a:t>ו'/אדר ב/תשפ"ד</a:t>
+              <a:t>ז'/אדר ב/תשפ"ד</a:t>
             </a:fld>
             <a:endParaRPr lang="he-IL" dirty="0"/>
           </a:p>
@@ -7573,7 +7516,7 @@
             <a:fld id="{8501B56B-EE9D-492D-B231-681314ABEB54}" type="datetime1">
               <a:rPr lang="he-IL" smtClean="0"/>
               <a:pPr/>
-              <a:t>ו'/אדר ב/תשפ"ד</a:t>
+              <a:t>ז'/אדר ב/תשפ"ד</a:t>
             </a:fld>
             <a:endParaRPr lang="he-IL" dirty="0"/>
           </a:p>
@@ -7937,7 +7880,7 @@
             <a:fld id="{FEE6D654-C7C7-484D-A266-7EA98AC2864D}" type="datetime1">
               <a:rPr lang="he-IL" smtClean="0"/>
               <a:pPr/>
-              <a:t>ו'/אדר ב/תשפ"ד</a:t>
+              <a:t>ז'/אדר ב/תשפ"ד</a:t>
             </a:fld>
             <a:endParaRPr lang="he-IL" dirty="0"/>
           </a:p>
@@ -8343,7 +8286,7 @@
             <a:fld id="{2342A612-94CD-4649-A3B6-BD78C7414030}" type="datetime1">
               <a:rPr lang="he-IL" smtClean="0"/>
               <a:pPr/>
-              <a:t>ו'/אדר ב/תשפ"ד</a:t>
+              <a:t>ז'/אדר ב/תשפ"ד</a:t>
             </a:fld>
             <a:endParaRPr lang="he-IL" dirty="0"/>
           </a:p>
@@ -8639,7 +8582,7 @@
             <a:fld id="{1313357E-9285-4D6A-9616-73A160DDA2E2}" type="datetime1">
               <a:rPr lang="he-IL" smtClean="0"/>
               <a:pPr/>
-              <a:t>ו'/אדר ב/תשפ"ד</a:t>
+              <a:t>ז'/אדר ב/תשפ"ד</a:t>
             </a:fld>
             <a:endParaRPr lang="he-IL" dirty="0"/>
           </a:p>
@@ -9340,12 +9283,20 @@
               <a:t>Add the </a:t>
             </a:r>
             <a:r>
-              <a:rPr lang="en-US" dirty="0" err="1"/>
+              <a:rPr lang="en-US" dirty="0" err="1">
+                <a:latin typeface="Consolas" panose="020B0609020204030204" pitchFamily="49" charset="0"/>
+              </a:rPr>
               <a:t>pivot_row</a:t>
             </a:r>
             <a:r>
+              <a:rPr lang="en-US" dirty="0">
+                <a:latin typeface="Consolas" panose="020B0609020204030204" pitchFamily="49" charset="0"/>
+              </a:rPr>
+              <a:t> </a:t>
+            </a:r>
+            <a:r>
               <a:rPr lang="en-US" dirty="0"/>
-              <a:t> to the row instead of swap rows</a:t>
+              <a:t>to the row instead of swap rows</a:t>
             </a:r>
           </a:p>
           <a:p>
@@ -9375,6 +9326,7 @@
             </a:r>
             <a:r>
               <a:rPr lang="en-US" dirty="0" err="1">
+                <a:latin typeface="Consolas" panose="020B0609020204030204" pitchFamily="49" charset="0"/>
                 <a:sym typeface="Tahoma" panose="020B0604030504040204" pitchFamily="34" charset="0"/>
               </a:rPr>
               <a:t>Flomat</a:t>
@@ -9422,7 +9374,33 @@
               <a:rPr lang="en-US" dirty="0">
                 <a:sym typeface="Tahoma" panose="020B0604030504040204" pitchFamily="34" charset="0"/>
               </a:rPr>
-              <a:t>The inverse-matrix-calculation function uses a recursive approach to efficiently calculate the matrix inverse. This can be more memory-efficient compared to iterative approaches.</a:t>
+              <a:t>The </a:t>
+            </a:r>
+            <a:r>
+              <a:rPr lang="en-US" dirty="0">
+                <a:latin typeface="Consolas" panose="020B0609020204030204" pitchFamily="49" charset="0"/>
+                <a:sym typeface="Tahoma" panose="020B0604030504040204" pitchFamily="34" charset="0"/>
+              </a:rPr>
+              <a:t>inverse-matrix-calculation</a:t>
+            </a:r>
+            <a:r>
+              <a:rPr lang="en-US" dirty="0">
+                <a:sym typeface="Tahoma" panose="020B0604030504040204" pitchFamily="34" charset="0"/>
+              </a:rPr>
+              <a:t> function uses a recursive approach to efficiently calculate the matrix inverse. </a:t>
+            </a:r>
+          </a:p>
+          <a:p>
+            <a:pPr lvl="1">
+              <a:lnSpc>
+                <a:spcPct val="100000"/>
+              </a:lnSpc>
+            </a:pPr>
+            <a:r>
+              <a:rPr lang="en-US" dirty="0">
+                <a:sym typeface="Tahoma" panose="020B0604030504040204" pitchFamily="34" charset="0"/>
+              </a:rPr>
+              <a:t>This can be more memory-efficient compared to iterative approaches.</a:t>
             </a:r>
           </a:p>
         </p:txBody>
@@ -9521,8 +9499,8 @@
         </p:blipFill>
         <p:spPr>
           <a:xfrm>
-            <a:off x="3649667" y="2171700"/>
-            <a:ext cx="5344208" cy="4128832"/>
+            <a:off x="3423895" y="2043368"/>
+            <a:ext cx="5991037" cy="4628560"/>
           </a:xfrm>
         </p:spPr>
       </p:pic>
@@ -9530,6 +9508,225 @@
     <p:extLst>
       <p:ext uri="{BB962C8B-B14F-4D97-AF65-F5344CB8AC3E}">
         <p14:creationId xmlns:p14="http://schemas.microsoft.com/office/powerpoint/2010/main" val="1850147129"/>
+      </p:ext>
+    </p:extLst>
+  </p:cSld>
+  <p:clrMapOvr>
+    <a:masterClrMapping/>
+  </p:clrMapOvr>
+  <mc:AlternateContent xmlns:mc="http://schemas.openxmlformats.org/markup-compatibility/2006" xmlns:p14="http://schemas.microsoft.com/office/powerpoint/2010/main">
+    <mc:Choice Requires="p14">
+      <p:transition spd="med" p14:dur="700">
+        <p:fade/>
+      </p:transition>
+    </mc:Choice>
+    <mc:Fallback xmlns="">
+      <p:transition spd="med">
+        <p:fade/>
+      </p:transition>
+    </mc:Fallback>
+  </mc:AlternateContent>
+</p:sld>
+</file>
+
+<file path=ppt/slides/slide12.xml><?xml version="1.0" encoding="utf-8"?>
+<p:sld xmlns:a="http://schemas.openxmlformats.org/drawingml/2006/main" xmlns:r="http://schemas.openxmlformats.org/officeDocument/2006/relationships" xmlns:p="http://schemas.openxmlformats.org/presentationml/2006/main">
+  <p:cSld>
+    <p:spTree>
+      <p:nvGrpSpPr>
+        <p:cNvPr id="1" name=""/>
+        <p:cNvGrpSpPr/>
+        <p:nvPr/>
+      </p:nvGrpSpPr>
+      <p:grpSpPr>
+        <a:xfrm>
+          <a:off x="0" y="0"/>
+          <a:ext cx="0" cy="0"/>
+          <a:chOff x="0" y="0"/>
+          <a:chExt cx="0" cy="0"/>
+        </a:xfrm>
+      </p:grpSpPr>
+      <p:sp>
+        <p:nvSpPr>
+          <p:cNvPr id="2" name="כותרת 1">
+            <a:extLst>
+              <a:ext uri="{FF2B5EF4-FFF2-40B4-BE49-F238E27FC236}">
+                <a16:creationId xmlns:a16="http://schemas.microsoft.com/office/drawing/2014/main" id="{2894205B-6362-43C9-B869-C4C712B7EADE}"/>
+              </a:ext>
+            </a:extLst>
+          </p:cNvPr>
+          <p:cNvSpPr>
+            <a:spLocks noGrp="1"/>
+          </p:cNvSpPr>
+          <p:nvPr>
+            <p:ph type="title"/>
+          </p:nvPr>
+        </p:nvSpPr>
+        <p:spPr/>
+        <p:txBody>
+          <a:bodyPr/>
+          <a:lstStyle/>
+          <a:p>
+            <a:r>
+              <a:rPr lang="en-US" dirty="0"/>
+              <a:t>Difference in timing </a:t>
+            </a:r>
+            <a:endParaRPr lang="en-IL" dirty="0"/>
+          </a:p>
+        </p:txBody>
+      </p:sp>
+      <p:sp>
+        <p:nvSpPr>
+          <p:cNvPr id="3" name="מציין מיקום תוכן 2">
+            <a:extLst>
+              <a:ext uri="{FF2B5EF4-FFF2-40B4-BE49-F238E27FC236}">
+                <a16:creationId xmlns:a16="http://schemas.microsoft.com/office/drawing/2014/main" id="{919065A2-FA8F-4AA1-96D9-695948CCF896}"/>
+              </a:ext>
+            </a:extLst>
+          </p:cNvPr>
+          <p:cNvSpPr>
+            <a:spLocks noGrp="1"/>
+          </p:cNvSpPr>
+          <p:nvPr>
+            <p:ph idx="1"/>
+          </p:nvPr>
+        </p:nvSpPr>
+        <p:spPr>
+          <a:xfrm>
+            <a:off x="1371600" y="2286000"/>
+            <a:ext cx="5562600" cy="3581400"/>
+          </a:xfrm>
+        </p:spPr>
+        <p:txBody>
+          <a:bodyPr/>
+          <a:lstStyle/>
+          <a:p>
+            <a:r>
+              <a:rPr lang="en-US" dirty="0"/>
+              <a:t>The Scheme functions uses a lot of memory allocations. In order to calculate these operations using </a:t>
+            </a:r>
+            <a:r>
+              <a:rPr lang="en-US" dirty="0" err="1">
+                <a:latin typeface="Consolas" panose="020B0609020204030204" pitchFamily="49" charset="0"/>
+              </a:rPr>
+              <a:t>flomat</a:t>
+            </a:r>
+            <a:r>
+              <a:rPr lang="en-US" dirty="0">
+                <a:latin typeface="Consolas" panose="020B0609020204030204" pitchFamily="49" charset="0"/>
+              </a:rPr>
+              <a:t> lib </a:t>
+            </a:r>
+            <a:r>
+              <a:rPr lang="en-US" dirty="0"/>
+              <a:t>methods we needed 1024 MB memory. </a:t>
+            </a:r>
+          </a:p>
+          <a:p>
+            <a:r>
+              <a:rPr lang="en-US" dirty="0"/>
+              <a:t>Our code can be manage to calculate only with 256MB memory only but with more recursion calls that may effect the times.    </a:t>
+            </a:r>
+          </a:p>
+          <a:p>
+            <a:endParaRPr lang="en-IL" dirty="0"/>
+          </a:p>
+        </p:txBody>
+      </p:sp>
+      <p:pic>
+        <p:nvPicPr>
+          <p:cNvPr id="5" name="תמונה 4">
+            <a:extLst>
+              <a:ext uri="{FF2B5EF4-FFF2-40B4-BE49-F238E27FC236}">
+                <a16:creationId xmlns:a16="http://schemas.microsoft.com/office/drawing/2014/main" id="{362890F3-F9DD-4831-9097-9C5D31AD9CC2}"/>
+              </a:ext>
+            </a:extLst>
+          </p:cNvPr>
+          <p:cNvPicPr>
+            <a:picLocks noChangeAspect="1"/>
+          </p:cNvPicPr>
+          <p:nvPr/>
+        </p:nvPicPr>
+        <p:blipFill>
+          <a:blip r:embed="rId2"/>
+          <a:stretch>
+            <a:fillRect/>
+          </a:stretch>
+        </p:blipFill>
+        <p:spPr>
+          <a:xfrm>
+            <a:off x="7408333" y="3523578"/>
+            <a:ext cx="4652414" cy="1692338"/>
+          </a:xfrm>
+          <a:prstGeom prst="rect">
+            <a:avLst/>
+          </a:prstGeom>
+        </p:spPr>
+      </p:pic>
+      <p:pic>
+        <p:nvPicPr>
+          <p:cNvPr id="6" name="תמונה 5">
+            <a:extLst>
+              <a:ext uri="{FF2B5EF4-FFF2-40B4-BE49-F238E27FC236}">
+                <a16:creationId xmlns:a16="http://schemas.microsoft.com/office/drawing/2014/main" id="{81A7D3F6-8A9C-46D6-A4CF-5C90FF9FB6DD}"/>
+              </a:ext>
+            </a:extLst>
+          </p:cNvPr>
+          <p:cNvPicPr>
+            <a:picLocks noChangeAspect="1"/>
+          </p:cNvPicPr>
+          <p:nvPr/>
+        </p:nvPicPr>
+        <p:blipFill>
+          <a:blip r:embed="rId3"/>
+          <a:stretch>
+            <a:fillRect/>
+          </a:stretch>
+        </p:blipFill>
+        <p:spPr>
+          <a:xfrm>
+            <a:off x="8477547" y="2171700"/>
+            <a:ext cx="3191320" cy="1133633"/>
+          </a:xfrm>
+          <a:prstGeom prst="rect">
+            <a:avLst/>
+          </a:prstGeom>
+        </p:spPr>
+      </p:pic>
+      <p:pic>
+        <p:nvPicPr>
+          <p:cNvPr id="7" name="תמונה 6">
+            <a:extLst>
+              <a:ext uri="{FF2B5EF4-FFF2-40B4-BE49-F238E27FC236}">
+                <a16:creationId xmlns:a16="http://schemas.microsoft.com/office/drawing/2014/main" id="{0F45F5BD-ACB4-4BBE-BEA0-4F104E8FE785}"/>
+              </a:ext>
+            </a:extLst>
+          </p:cNvPr>
+          <p:cNvPicPr>
+            <a:picLocks noChangeAspect="1"/>
+          </p:cNvPicPr>
+          <p:nvPr/>
+        </p:nvPicPr>
+        <p:blipFill>
+          <a:blip r:embed="rId4"/>
+          <a:stretch>
+            <a:fillRect/>
+          </a:stretch>
+        </p:blipFill>
+        <p:spPr>
+          <a:xfrm>
+            <a:off x="7408332" y="5053289"/>
+            <a:ext cx="4652415" cy="1597728"/>
+          </a:xfrm>
+          <a:prstGeom prst="rect">
+            <a:avLst/>
+          </a:prstGeom>
+        </p:spPr>
+      </p:pic>
+    </p:spTree>
+    <p:extLst>
+      <p:ext uri="{BB962C8B-B14F-4D97-AF65-F5344CB8AC3E}">
+        <p14:creationId xmlns:p14="http://schemas.microsoft.com/office/powerpoint/2010/main" val="1695301585"/>
       </p:ext>
     </p:extLst>
   </p:cSld>
@@ -9613,10 +9810,15 @@
             <p:ph idx="1"/>
           </p:nvPr>
         </p:nvSpPr>
-        <p:spPr/>
+        <p:spPr>
+          <a:xfrm>
+            <a:off x="1371600" y="2048933"/>
+            <a:ext cx="9601200" cy="3581400"/>
+          </a:xfrm>
+        </p:spPr>
         <p:txBody>
           <a:bodyPr>
-            <a:normAutofit fontScale="92500" lnSpcReduction="20000"/>
+            <a:normAutofit lnSpcReduction="10000"/>
           </a:bodyPr>
           <a:lstStyle/>
           <a:p>
@@ -9640,12 +9842,6 @@
             <a:r>
               <a:rPr lang="en-US" dirty="0"/>
               <a:t> Gaussian Elimination</a:t>
-            </a:r>
-          </a:p>
-          <a:p>
-            <a:r>
-              <a:rPr lang="en-US" dirty="0"/>
-              <a:t>Complexity</a:t>
             </a:r>
           </a:p>
           <a:p>
@@ -9783,76 +9979,205 @@
           </a:p>
         </p:txBody>
       </p:sp>
-      <p:sp>
-        <p:nvSpPr>
-          <p:cNvPr id="5" name="מציין מיקום תוכן 4">
-            <a:extLst>
-              <a:ext uri="{FF2B5EF4-FFF2-40B4-BE49-F238E27FC236}">
-                <a16:creationId xmlns:a16="http://schemas.microsoft.com/office/drawing/2014/main" id="{218F4923-BE53-419B-8FAE-0569A6242465}"/>
-              </a:ext>
-            </a:extLst>
-          </p:cNvPr>
-          <p:cNvSpPr>
-            <a:spLocks noGrp="1"/>
-          </p:cNvSpPr>
-          <p:nvPr>
-            <p:ph idx="1"/>
-          </p:nvPr>
-        </p:nvSpPr>
-        <p:spPr>
-          <a:xfrm>
-            <a:off x="1236133" y="2662767"/>
-            <a:ext cx="4859867" cy="3581400"/>
-          </a:xfrm>
-        </p:spPr>
-        <p:txBody>
-          <a:bodyPr/>
-          <a:lstStyle/>
-          <a:p>
-            <a:pPr lvl="0"/>
-            <a:r>
-              <a:rPr lang="en-US" dirty="0"/>
-              <a:t>For each column:</a:t>
-            </a:r>
-            <a:endParaRPr lang="en-IL" dirty="0"/>
-          </a:p>
-          <a:p>
-            <a:pPr lvl="0"/>
-            <a:r>
-              <a:rPr lang="en-US" dirty="0"/>
-              <a:t>If A[</a:t>
-            </a:r>
-            <a:r>
-              <a:rPr lang="en-US" dirty="0" err="1"/>
-              <a:t>i,j</a:t>
-            </a:r>
-            <a:r>
-              <a:rPr lang="en-US" dirty="0"/>
-              <a:t>]==0, exchange rows with the nearest row for which A[</a:t>
-            </a:r>
-            <a:r>
-              <a:rPr lang="en-US" dirty="0" err="1"/>
-              <a:t>pivot,j</a:t>
-            </a:r>
-            <a:r>
-              <a:rPr lang="en-US" dirty="0"/>
-              <a:t>]!=0</a:t>
-            </a:r>
-            <a:endParaRPr lang="en-IL" dirty="0"/>
-          </a:p>
-          <a:p>
-            <a:pPr lvl="0"/>
-            <a:r>
-              <a:rPr lang="en-US" dirty="0"/>
-              <a:t>Performing elementary operations to reset all the other elements in the j column that are below the A[pivot][j]</a:t>
-            </a:r>
-            <a:endParaRPr lang="en-IL" dirty="0"/>
-          </a:p>
-          <a:p>
-            <a:endParaRPr lang="en-IL" dirty="0"/>
-          </a:p>
-        </p:txBody>
-      </p:sp>
+      <mc:AlternateContent xmlns:mc="http://schemas.openxmlformats.org/markup-compatibility/2006" xmlns:a14="http://schemas.microsoft.com/office/drawing/2010/main">
+        <mc:Choice Requires="a14">
+          <p:sp>
+            <p:nvSpPr>
+              <p:cNvPr id="5" name="מציין מיקום תוכן 4">
+                <a:extLst>
+                  <a:ext uri="{FF2B5EF4-FFF2-40B4-BE49-F238E27FC236}">
+                    <a16:creationId xmlns:a16="http://schemas.microsoft.com/office/drawing/2014/main" id="{218F4923-BE53-419B-8FAE-0569A6242465}"/>
+                  </a:ext>
+                </a:extLst>
+              </p:cNvPr>
+              <p:cNvSpPr>
+                <a:spLocks noGrp="1"/>
+              </p:cNvSpPr>
+              <p:nvPr>
+                <p:ph idx="1"/>
+              </p:nvPr>
+            </p:nvSpPr>
+            <p:spPr>
+              <a:xfrm>
+                <a:off x="1236133" y="2662767"/>
+                <a:ext cx="4859867" cy="3581400"/>
+              </a:xfrm>
+            </p:spPr>
+            <p:txBody>
+              <a:bodyPr/>
+              <a:lstStyle/>
+              <a:p>
+                <a:pPr lvl="0"/>
+                <a:r>
+                  <a:rPr lang="en-US" dirty="0"/>
+                  <a:t>For each column:</a:t>
+                </a:r>
+                <a:endParaRPr lang="en-IL" dirty="0"/>
+              </a:p>
+              <a:p>
+                <a:pPr lvl="0"/>
+                <a:r>
+                  <a:rPr lang="en-US" dirty="0"/>
+                  <a:t>If </a:t>
+                </a:r>
+                <a:r>
+                  <a:rPr lang="en-US" dirty="0">
+                    <a:latin typeface="Consolas" panose="020B0609020204030204" pitchFamily="49" charset="0"/>
+                  </a:rPr>
+                  <a:t>A[</a:t>
+                </a:r>
+                <a:r>
+                  <a:rPr lang="en-US" dirty="0" err="1">
+                    <a:latin typeface="Consolas" panose="020B0609020204030204" pitchFamily="49" charset="0"/>
+                  </a:rPr>
+                  <a:t>i,j</a:t>
+                </a:r>
+                <a:r>
+                  <a:rPr lang="en-US" dirty="0">
+                    <a:latin typeface="Consolas" panose="020B0609020204030204" pitchFamily="49" charset="0"/>
+                  </a:rPr>
+                  <a:t>]==0, </a:t>
+                </a:r>
+                <a:r>
+                  <a:rPr lang="en-US" dirty="0"/>
+                  <a:t>exchange rows with the nearest row for which </a:t>
+                </a:r>
+                <a:r>
+                  <a:rPr lang="en-US" dirty="0">
+                    <a:latin typeface="Consolas" panose="020B0609020204030204" pitchFamily="49" charset="0"/>
+                  </a:rPr>
+                  <a:t>A[</a:t>
+                </a:r>
+                <a:r>
+                  <a:rPr lang="en-US" dirty="0" err="1">
+                    <a:latin typeface="Consolas" panose="020B0609020204030204" pitchFamily="49" charset="0"/>
+                  </a:rPr>
+                  <a:t>pivot,j</a:t>
+                </a:r>
+                <a:r>
+                  <a:rPr lang="en-US" dirty="0">
+                    <a:latin typeface="Consolas" panose="020B0609020204030204" pitchFamily="49" charset="0"/>
+                  </a:rPr>
+                  <a:t>]!=0</a:t>
+                </a:r>
+                <a:endParaRPr lang="en-IL" dirty="0">
+                  <a:latin typeface="Consolas" panose="020B0609020204030204" pitchFamily="49" charset="0"/>
+                </a:endParaRPr>
+              </a:p>
+              <a:p>
+                <a:pPr lvl="0"/>
+                <a:r>
+                  <a:rPr lang="en-US" dirty="0"/>
+                  <a:t>Performing elementary operations to reset all the other elements in the j column that are below the A[pivot][j]</a:t>
+                </a:r>
+                <a:endParaRPr lang="en-IL" dirty="0"/>
+              </a:p>
+              <a:p>
+                <a:r>
+                  <a:rPr lang="en-US" dirty="0"/>
+                  <a:t>Time complexity </a:t>
+                </a:r>
+                <a14:m>
+                  <m:oMath xmlns:m="http://schemas.openxmlformats.org/officeDocument/2006/math">
+                    <m:r>
+                      <a:rPr lang="en-US" b="0" i="1" smtClean="0">
+                        <a:latin typeface="Cambria Math" panose="02040503050406030204" pitchFamily="18" charset="0"/>
+                      </a:rPr>
+                      <m:t>𝑂</m:t>
+                    </m:r>
+                    <m:d>
+                      <m:dPr>
+                        <m:ctrlPr>
+                          <a:rPr lang="en-US" b="0" i="1" smtClean="0">
+                            <a:latin typeface="Cambria Math" panose="02040503050406030204" pitchFamily="18" charset="0"/>
+                          </a:rPr>
+                        </m:ctrlPr>
+                      </m:dPr>
+                      <m:e>
+                        <m:sSup>
+                          <m:sSupPr>
+                            <m:ctrlPr>
+                              <a:rPr lang="en-US" b="0" i="1" smtClean="0">
+                                <a:latin typeface="Cambria Math" panose="02040503050406030204" pitchFamily="18" charset="0"/>
+                              </a:rPr>
+                            </m:ctrlPr>
+                          </m:sSupPr>
+                          <m:e>
+                            <m:r>
+                              <a:rPr lang="en-US" b="0" i="1" smtClean="0">
+                                <a:latin typeface="Cambria Math" panose="02040503050406030204" pitchFamily="18" charset="0"/>
+                              </a:rPr>
+                              <m:t>𝑛</m:t>
+                            </m:r>
+                          </m:e>
+                          <m:sup>
+                            <m:r>
+                              <a:rPr lang="en-US" b="0" i="1" smtClean="0">
+                                <a:latin typeface="Cambria Math" panose="02040503050406030204" pitchFamily="18" charset="0"/>
+                              </a:rPr>
+                              <m:t>3</m:t>
+                            </m:r>
+                          </m:sup>
+                        </m:sSup>
+                      </m:e>
+                    </m:d>
+                  </m:oMath>
+                </a14:m>
+                <a:endParaRPr lang="en-US" b="0" dirty="0"/>
+              </a:p>
+              <a:p>
+                <a:pPr marL="0" indent="0">
+                  <a:buNone/>
+                </a:pPr>
+                <a:endParaRPr lang="en-IL" dirty="0"/>
+              </a:p>
+            </p:txBody>
+          </p:sp>
+        </mc:Choice>
+        <mc:Fallback xmlns="">
+          <p:sp>
+            <p:nvSpPr>
+              <p:cNvPr id="5" name="מציין מיקום תוכן 4">
+                <a:extLst>
+                  <a:ext uri="{FF2B5EF4-FFF2-40B4-BE49-F238E27FC236}">
+                    <a16:creationId xmlns:a16="http://schemas.microsoft.com/office/drawing/2014/main" id="{218F4923-BE53-419B-8FAE-0569A6242465}"/>
+                  </a:ext>
+                </a:extLst>
+              </p:cNvPr>
+              <p:cNvSpPr>
+                <a:spLocks noGrp="1" noRot="1" noChangeAspect="1" noMove="1" noResize="1" noEditPoints="1" noAdjustHandles="1" noChangeArrowheads="1" noChangeShapeType="1" noTextEdit="1"/>
+              </p:cNvSpPr>
+              <p:nvPr>
+                <p:ph idx="1"/>
+              </p:nvPr>
+            </p:nvSpPr>
+            <p:spPr>
+              <a:xfrm>
+                <a:off x="1236133" y="2662767"/>
+                <a:ext cx="4859867" cy="3581400"/>
+              </a:xfrm>
+              <a:blipFill>
+                <a:blip r:embed="rId3"/>
+                <a:stretch>
+                  <a:fillRect l="-1129" t="-1533" r="-1255"/>
+                </a:stretch>
+              </a:blipFill>
+            </p:spPr>
+            <p:txBody>
+              <a:bodyPr/>
+              <a:lstStyle/>
+              <a:p>
+                <a:r>
+                  <a:rPr lang="en-IL">
+                    <a:noFill/>
+                  </a:rPr>
+                  <a:t> </a:t>
+                </a:r>
+              </a:p>
+            </p:txBody>
+          </p:sp>
+        </mc:Fallback>
+      </mc:AlternateContent>
       <p:pic>
         <p:nvPicPr>
           <p:cNvPr id="9" name="תמונה 8">
@@ -9868,7 +10193,7 @@
           <p:nvPr/>
         </p:nvPicPr>
         <p:blipFill>
-          <a:blip r:embed="rId3"/>
+          <a:blip r:embed="rId4"/>
           <a:stretch>
             <a:fillRect/>
           </a:stretch>
@@ -9980,7 +10305,7 @@
             <p:ph idx="1"/>
             <p:extLst>
               <p:ext uri="{D42A27DB-BD31-4B8C-83A1-F6EECF244321}">
-                <p14:modId xmlns:p14="http://schemas.microsoft.com/office/powerpoint/2010/main" val="3057270"/>
+                <p14:modId xmlns:p14="http://schemas.microsoft.com/office/powerpoint/2010/main" val="471460016"/>
               </p:ext>
             </p:extLst>
           </p:nvPr>
@@ -9995,6 +10320,36 @@
           </a:graphicData>
         </a:graphic>
       </p:graphicFrame>
+      <p:pic>
+        <p:nvPicPr>
+          <p:cNvPr id="3" name="תמונה 2">
+            <a:extLst>
+              <a:ext uri="{FF2B5EF4-FFF2-40B4-BE49-F238E27FC236}">
+                <a16:creationId xmlns:a16="http://schemas.microsoft.com/office/drawing/2014/main" id="{515CBE6E-695D-43F3-A3C2-A0F7E41D3990}"/>
+              </a:ext>
+            </a:extLst>
+          </p:cNvPr>
+          <p:cNvPicPr>
+            <a:picLocks noChangeAspect="1"/>
+          </p:cNvPicPr>
+          <p:nvPr/>
+        </p:nvPicPr>
+        <p:blipFill>
+          <a:blip r:embed="rId8"/>
+          <a:stretch>
+            <a:fillRect/>
+          </a:stretch>
+        </p:blipFill>
+        <p:spPr>
+          <a:xfrm>
+            <a:off x="9715229" y="5986436"/>
+            <a:ext cx="1943371" cy="371527"/>
+          </a:xfrm>
+          <a:prstGeom prst="rect">
+            <a:avLst/>
+          </a:prstGeom>
+        </p:spPr>
+      </p:pic>
     </p:spTree>
     <p:extLst>
       <p:ext uri="{BB962C8B-B14F-4D97-AF65-F5344CB8AC3E}">
@@ -10132,14 +10487,14 @@
           <a:p>
             <a:pPr lvl="1"/>
             <a:r>
-              <a:rPr lang="en-US" sz="1600" dirty="0"/>
+              <a:rPr lang="en-US" sz="1600" i="0" dirty="0"/>
               <a:t>Python is generally considered easier to learn and use compared to Scheme. </a:t>
             </a:r>
           </a:p>
           <a:p>
             <a:pPr lvl="1"/>
             <a:r>
-              <a:rPr lang="en-US" sz="1600" dirty="0"/>
+              <a:rPr lang="en-US" sz="1600" i="0" dirty="0"/>
               <a:t>This can be beneficial for rapid prototyping and collaboration with developers who might not be familiar with Scheme.</a:t>
             </a:r>
           </a:p>
@@ -10152,7 +10507,7 @@
           <a:p>
             <a:pPr lvl="1"/>
             <a:r>
-              <a:rPr lang="en-US" sz="1600" dirty="0"/>
+              <a:rPr lang="en-US" sz="1600" i="0" dirty="0"/>
               <a:t>performance for numerical computations like matrix operations.	</a:t>
             </a:r>
           </a:p>
@@ -10168,7 +10523,9 @@
               <a:rPr lang="en-US" sz="1600" i="0" dirty="0"/>
               <a:t>Python code maintains good readability with clear function definitions and comments</a:t>
             </a:r>
-            <a:endParaRPr lang="en-US" sz="1600" dirty="0"/>
+          </a:p>
+          <a:p>
+            <a:endParaRPr lang="en-US" sz="1600" i="0" dirty="0"/>
           </a:p>
         </p:txBody>
       </p:sp>
@@ -10221,7 +10578,7 @@
         </p:nvSpPr>
         <p:spPr>
           <a:xfrm>
-            <a:off x="6525013" y="2887133"/>
+            <a:off x="6525014" y="2887133"/>
             <a:ext cx="5015053" cy="2980267"/>
           </a:xfrm>
         </p:spPr>
@@ -10348,17 +10705,6 @@
             </a:r>
           </a:p>
           <a:p>
-            <a:pPr algn="l" rtl="0"/>
-            <a:r>
-              <a:rPr lang="en-US" dirty="0">
-                <a:latin typeface="Tahoma" panose="020B0604030504040204" pitchFamily="34" charset="0"/>
-                <a:cs typeface="Tahoma" panose="020B0604030504040204" pitchFamily="34" charset="0"/>
-                <a:sym typeface="Tahoma" panose="020B0604030504040204" pitchFamily="34" charset="0"/>
-              </a:rPr>
-              <a:t>Using matrix operations (+, * and more) instead of loops to reset the col elements. </a:t>
-            </a:r>
-          </a:p>
-          <a:p>
             <a:r>
               <a:rPr lang="en-US" b="1" dirty="0"/>
               <a:t>Vectorized Operations:</a:t>
@@ -10368,14 +10714,13 @@
           <a:p>
             <a:pPr lvl="1"/>
             <a:r>
-              <a:rPr lang="en-US" dirty="0"/>
+              <a:rPr lang="en-US" i="0" dirty="0"/>
               <a:t>Instead of iterating through individual elements using loops, NumPy allows calculations on entire arrays simultaneously. This significantly improves performance for matrix operations like row elimination and multiplication.</a:t>
             </a:r>
           </a:p>
           <a:p>
             <a:pPr algn="l" rtl="0"/>
             <a:endParaRPr lang="he-IL" dirty="0">
-              <a:latin typeface="Tahoma" panose="020B0604030504040204" pitchFamily="34" charset="0"/>
               <a:cs typeface="Tahoma" panose="020B0604030504040204" pitchFamily="34" charset="0"/>
               <a:sym typeface="Tahoma" panose="020B0604030504040204" pitchFamily="34" charset="0"/>
             </a:endParaRPr>
@@ -10396,16 +10741,15 @@
           </p:cNvPicPr>
           <p:nvPr/>
         </p:nvPicPr>
-        <p:blipFill>
+        <p:blipFill rotWithShape="1">
           <a:blip r:embed="rId3"/>
-          <a:stretch>
-            <a:fillRect/>
-          </a:stretch>
+          <a:srcRect r="6128"/>
+          <a:stretch/>
         </p:blipFill>
         <p:spPr>
           <a:xfrm>
-            <a:off x="7459133" y="5089557"/>
-            <a:ext cx="4377267" cy="1277610"/>
+            <a:off x="6629400" y="4330674"/>
+            <a:ext cx="5037667" cy="1566360"/>
           </a:xfrm>
           <a:prstGeom prst="rect">
             <a:avLst/>
@@ -10508,7 +10852,7 @@
         </p:blipFill>
         <p:spPr>
           <a:xfrm>
-            <a:off x="1753876" y="2331019"/>
+            <a:off x="1855476" y="2398752"/>
             <a:ext cx="9366115" cy="3031291"/>
           </a:xfrm>
           <a:prstGeom prst="rect">
@@ -10612,7 +10956,7 @@
         </p:blipFill>
         <p:spPr>
           <a:xfrm>
-            <a:off x="2445905" y="1251062"/>
+            <a:off x="2462838" y="1420332"/>
             <a:ext cx="7950749" cy="5313511"/>
           </a:xfrm>
           <a:prstGeom prst="rect">
@@ -10758,7 +11102,7 @@
           <a:p>
             <a:r>
               <a:rPr lang="en-US" sz="1400" dirty="0"/>
-              <a:t>Tail Call Optimization</a:t>
+              <a:t>Tail Call recursion Optimization</a:t>
             </a:r>
           </a:p>
           <a:p>
@@ -10770,7 +11114,7 @@
           <a:p>
             <a:pPr lvl="1"/>
             <a:r>
-              <a:rPr lang="en-US" sz="1400" dirty="0"/>
+              <a:rPr lang="en-US" sz="1400" i="0" dirty="0"/>
               <a:t>Scheme's functional programming paradigm can lead to concise and expressive code, especially for mathematical computations like matrix operations.</a:t>
             </a:r>
           </a:p>
@@ -10783,7 +11127,7 @@
           <a:p>
             <a:pPr lvl="1"/>
             <a:r>
-              <a:rPr lang="en-US" sz="1400" dirty="0"/>
+              <a:rPr lang="en-US" sz="1400" i="0" dirty="0"/>
               <a:t> Scheme is known for its concise syntax, which can lead to shorter and more readable code compared to verbose languages like C++. .</a:t>
             </a:r>
           </a:p>
@@ -10800,15 +11144,15 @@
           <a:p>
             <a:pPr lvl="1"/>
             <a:r>
-              <a:rPr lang="en-US" sz="1400" dirty="0"/>
+              <a:rPr lang="en-US" sz="1400" i="0" dirty="0"/>
               <a:t>Utilizing </a:t>
             </a:r>
             <a:r>
-              <a:rPr lang="en-US" sz="1400" dirty="0" err="1"/>
+              <a:rPr lang="en-US" sz="1400" i="0" dirty="0" err="1"/>
               <a:t>Flomat</a:t>
             </a:r>
             <a:r>
-              <a:rPr lang="en-US" sz="1400" dirty="0"/>
+              <a:rPr lang="en-US" sz="1400" i="0" dirty="0"/>
               <a:t> helps mitigate the performance concerns to some extent, as it likely provides optimized functions for core matrix operations.</a:t>
             </a:r>
           </a:p>
@@ -10821,7 +11165,7 @@
           <a:p>
             <a:pPr lvl="1"/>
             <a:r>
-              <a:rPr lang="en-US" sz="1400" dirty="0"/>
+              <a:rPr lang="en-US" sz="1400" i="0" dirty="0"/>
               <a:t> The code maintains good readability with clear function definitions and comments.</a:t>
             </a:r>
           </a:p>
@@ -10885,7 +11229,7 @@
         </p:nvSpPr>
         <p:spPr>
           <a:xfrm>
-            <a:off x="7168480" y="2211964"/>
+            <a:off x="7168480" y="2082610"/>
             <a:ext cx="4443984" cy="4493636"/>
           </a:xfrm>
         </p:spPr>
@@ -10903,14 +11247,14 @@
           <a:p>
             <a:pPr lvl="1"/>
             <a:r>
-              <a:rPr lang="en-US" sz="5600" dirty="0"/>
+              <a:rPr lang="en-US" sz="5600" i="0" dirty="0"/>
               <a:t>Scheme, especially compared to compiled languages, can be slower for computationally intensive tasks like matrix operations.</a:t>
             </a:r>
           </a:p>
           <a:p>
             <a:pPr lvl="1"/>
             <a:r>
-              <a:rPr lang="en-US" sz="5600" dirty="0"/>
+              <a:rPr lang="en-US" sz="5600" i="0" dirty="0"/>
               <a:t> This is particularly true for large matrices as seen in our execution times.</a:t>
             </a:r>
           </a:p>
@@ -10923,22 +11267,22 @@
           <a:p>
             <a:pPr lvl="1"/>
             <a:r>
-              <a:rPr lang="en-US" sz="5600" dirty="0"/>
+              <a:rPr lang="en-US" sz="5600" i="0" dirty="0"/>
               <a:t>: While libraries like </a:t>
             </a:r>
             <a:r>
-              <a:rPr lang="en-US" sz="5600" dirty="0" err="1"/>
+              <a:rPr lang="en-US" sz="5600" i="0" dirty="0" err="1"/>
               <a:t>Flomat</a:t>
             </a:r>
             <a:r>
-              <a:rPr lang="en-US" sz="5600" dirty="0"/>
+              <a:rPr lang="en-US" sz="5600" i="0" dirty="0"/>
               <a:t> exist, the ecosystem of optimized numerical libraries might be smaller compared to languages like Python or C++. </a:t>
             </a:r>
           </a:p>
           <a:p>
             <a:pPr lvl="1"/>
             <a:r>
-              <a:rPr lang="en-US" sz="5600" dirty="0"/>
+              <a:rPr lang="en-US" sz="5600" i="0" dirty="0"/>
               <a:t>This can limit performance gains, especially for complex linear algebra operations.</a:t>
             </a:r>
           </a:p>
@@ -10951,14 +11295,14 @@
           <a:p>
             <a:pPr lvl="1"/>
             <a:r>
-              <a:rPr lang="en-US" sz="5600" dirty="0"/>
+              <a:rPr lang="en-US" sz="5600" i="0" dirty="0"/>
               <a:t>Scheme's dynamic typing can sometimes lead to runtime errors if data types aren't handled carefully. </a:t>
             </a:r>
           </a:p>
           <a:p>
             <a:pPr lvl="1"/>
             <a:r>
-              <a:rPr lang="en-US" sz="5600" dirty="0"/>
+              <a:rPr lang="en-US" sz="5600" i="0" dirty="0"/>
               <a:t>This can be mitigated with good coding practices and type annotations (available in some Scheme implementations).</a:t>
             </a:r>
           </a:p>

--- a/Matrix_Properties_Algorithms[1].pptx
+++ b/Matrix_Properties_Algorithms[1].pptx
@@ -3453,7 +3453,7 @@
                 <a:cs typeface="Tahoma" panose="020B0604030504040204" pitchFamily="34" charset="0"/>
                 <a:sym typeface="Tahoma" panose="020B0604030504040204" pitchFamily="34" charset="0"/>
               </a:rPr>
-              <a:t>ז'/אדר ב/תשפ"ד</a:t>
+              <a:t>ח'/אדר ב/תשפ"ד</a:t>
             </a:fld>
             <a:endParaRPr lang="he-IL" dirty="0">
               <a:latin typeface="Tahoma" panose="020B0604030504040204" pitchFamily="34" charset="0"/>
@@ -3647,7 +3647,7 @@
             <a:fld id="{C2702391-E873-4A7E-A308-344BCFC2CC80}" type="datetime1">
               <a:rPr lang="he-IL" smtClean="0"/>
               <a:pPr/>
-              <a:t>ז'/אדר ב/תשפ"ד</a:t>
+              <a:t>ח'/אדר ב/תשפ"ד</a:t>
             </a:fld>
             <a:endParaRPr lang="he-IL" dirty="0"/>
           </a:p>
@@ -4966,7 +4966,7 @@
             <a:fld id="{4FB317A2-3902-47FF-B6D1-9CC7F4BB6C92}" type="datetime1">
               <a:rPr lang="he-IL" smtClean="0"/>
               <a:pPr/>
-              <a:t>ז'/אדר ב/תשפ"ד</a:t>
+              <a:t>ח'/אדר ב/תשפ"ד</a:t>
             </a:fld>
             <a:endParaRPr lang="he-IL" dirty="0"/>
           </a:p>
@@ -5314,7 +5314,7 @@
             <a:fld id="{E7FEDE04-03A1-41E2-91FA-2D8FD00241C6}" type="datetime1">
               <a:rPr lang="he-IL" smtClean="0"/>
               <a:pPr/>
-              <a:t>ז'/אדר ב/תשפ"ד</a:t>
+              <a:t>ח'/אדר ב/תשפ"ד</a:t>
             </a:fld>
             <a:endParaRPr lang="he-IL" dirty="0"/>
           </a:p>
@@ -5512,7 +5512,7 @@
             <a:fld id="{7E3ABDC3-C5FD-491D-85D8-880A4C173640}" type="datetime1">
               <a:rPr lang="he-IL" smtClean="0"/>
               <a:pPr/>
-              <a:t>ז'/אדר ב/תשפ"ד</a:t>
+              <a:t>ח'/אדר ב/תשפ"ד</a:t>
             </a:fld>
             <a:endParaRPr lang="he-IL" dirty="0"/>
           </a:p>
@@ -5909,7 +5909,7 @@
             <a:fld id="{D277494B-FA8F-4F98-A48A-C14572D62CA6}" type="datetime1">
               <a:rPr lang="he-IL" smtClean="0"/>
               <a:pPr/>
-              <a:t>ז'/אדר ב/תשפ"ד</a:t>
+              <a:t>ח'/אדר ב/תשפ"ד</a:t>
             </a:fld>
             <a:endParaRPr lang="he-IL" dirty="0"/>
           </a:p>
@@ -6087,7 +6087,7 @@
             <a:fld id="{B93389A6-63C6-4CC7-AA45-37E5AB902F34}" type="datetime1">
               <a:rPr lang="he-IL" smtClean="0"/>
               <a:pPr/>
-              <a:t>ז'/אדר ב/תשפ"ד</a:t>
+              <a:t>ח'/אדר ב/תשפ"ד</a:t>
             </a:fld>
             <a:endParaRPr lang="he-IL" dirty="0"/>
           </a:p>
@@ -6382,7 +6382,7 @@
             <a:fld id="{02AF7E7A-41EB-4DDF-BFCC-E5AF1D0ECF25}" type="datetime1">
               <a:rPr lang="he-IL" smtClean="0"/>
               <a:pPr/>
-              <a:t>ז'/אדר ב/תשפ"ד</a:t>
+              <a:t>ח'/אדר ב/תשפ"ד</a:t>
             </a:fld>
             <a:endParaRPr lang="he-IL" dirty="0"/>
           </a:p>
@@ -6794,7 +6794,7 @@
             <a:fld id="{1313357E-9285-4D6A-9616-73A160DDA2E2}" type="datetime1">
               <a:rPr lang="he-IL" smtClean="0"/>
               <a:pPr/>
-              <a:t>ז'/אדר ב/תשפ"ד</a:t>
+              <a:t>ח'/אדר ב/תשפ"ד</a:t>
             </a:fld>
             <a:endParaRPr lang="he-IL" dirty="0"/>
           </a:p>
@@ -7278,7 +7278,7 @@
             <a:fld id="{1313357E-9285-4D6A-9616-73A160DDA2E2}" type="datetime1">
               <a:rPr lang="he-IL" smtClean="0"/>
               <a:pPr/>
-              <a:t>ז'/אדר ב/תשפ"ד</a:t>
+              <a:t>ח'/אדר ב/תשפ"ד</a:t>
             </a:fld>
             <a:endParaRPr lang="he-IL" dirty="0"/>
           </a:p>
@@ -7403,7 +7403,7 @@
             <a:fld id="{87DE4656-E110-486C-B114-A70F9A228F30}" type="datetime1">
               <a:rPr lang="he-IL" smtClean="0"/>
               <a:pPr/>
-              <a:t>ז'/אדר ב/תשפ"ד</a:t>
+              <a:t>ח'/אדר ב/תשפ"ד</a:t>
             </a:fld>
             <a:endParaRPr lang="he-IL" dirty="0"/>
           </a:p>
@@ -7516,7 +7516,7 @@
             <a:fld id="{8501B56B-EE9D-492D-B231-681314ABEB54}" type="datetime1">
               <a:rPr lang="he-IL" smtClean="0"/>
               <a:pPr/>
-              <a:t>ז'/אדר ב/תשפ"ד</a:t>
+              <a:t>ח'/אדר ב/תשפ"ד</a:t>
             </a:fld>
             <a:endParaRPr lang="he-IL" dirty="0"/>
           </a:p>
@@ -7880,7 +7880,7 @@
             <a:fld id="{FEE6D654-C7C7-484D-A266-7EA98AC2864D}" type="datetime1">
               <a:rPr lang="he-IL" smtClean="0"/>
               <a:pPr/>
-              <a:t>ז'/אדר ב/תשפ"ד</a:t>
+              <a:t>ח'/אדר ב/תשפ"ד</a:t>
             </a:fld>
             <a:endParaRPr lang="he-IL" dirty="0"/>
           </a:p>
@@ -8286,7 +8286,7 @@
             <a:fld id="{2342A612-94CD-4649-A3B6-BD78C7414030}" type="datetime1">
               <a:rPr lang="he-IL" smtClean="0"/>
               <a:pPr/>
-              <a:t>ז'/אדר ב/תשפ"ד</a:t>
+              <a:t>ח'/אדר ב/תשפ"ד</a:t>
             </a:fld>
             <a:endParaRPr lang="he-IL" dirty="0"/>
           </a:p>
@@ -8582,7 +8582,7 @@
             <a:fld id="{1313357E-9285-4D6A-9616-73A160DDA2E2}" type="datetime1">
               <a:rPr lang="he-IL" smtClean="0"/>
               <a:pPr/>
-              <a:t>ז'/אדר ב/תשפ"ד</a:t>
+              <a:t>ח'/אדר ב/תשפ"ד</a:t>
             </a:fld>
             <a:endParaRPr lang="he-IL" dirty="0"/>
           </a:p>
@@ -9625,7 +9625,15 @@
           <a:p>
             <a:r>
               <a:rPr lang="en-US" dirty="0"/>
-              <a:t>Our code can be manage to calculate only with 256MB memory only but with more recursion calls that may effect the times.    </a:t>
+              <a:t>Our code can be manage to calculate only </a:t>
+            </a:r>
+            <a:r>
+              <a:rPr lang="en-US"/>
+              <a:t>with 128MB </a:t>
+            </a:r>
+            <a:r>
+              <a:rPr lang="en-US" dirty="0"/>
+              <a:t>memory only but with more recursion calls that may effect the times.    </a:t>
             </a:r>
           </a:p>
           <a:p>
